--- a/Sem 4/RDBMS/Mod 2/Module_2.2EER.pptx
+++ b/Sem 4/RDBMS/Mod 2/Module_2.2EER.pptx
@@ -302,7 +302,7 @@
   </p:defaultTextStyle>
   <p:extLst>
     <p:ext uri="{EFAFB233-063F-42B5-8137-9DF3F51BA10A}">
-      <p15:sldGuideLst xmlns="" xmlns:p15="http://schemas.microsoft.com/office/powerpoint/2012/main">
+      <p15:sldGuideLst xmlns:p15="http://schemas.microsoft.com/office/powerpoint/2012/main">
         <p15:guide id="1" orient="horz" pos="1920">
           <p15:clr>
             <a:srgbClr val="000000"/>
@@ -316,7 +316,7 @@
       </p15:sldGuideLst>
     </p:ext>
     <p:ext uri="{2D200454-40CA-4A62-9FC3-DE9A4176ACB9}">
-      <p15:notesGuideLst xmlns="" xmlns:p15="http://schemas.microsoft.com/office/powerpoint/2012/main">
+      <p15:notesGuideLst xmlns:p15="http://schemas.microsoft.com/office/powerpoint/2012/main">
         <p15:guide id="1" orient="horz" pos="2880">
           <p15:clr>
             <a:srgbClr val="000000"/>
@@ -21596,10 +21596,13 @@
               <a:buChar char="■"/>
             </a:pPr>
             <a:r>
-              <a:rPr lang="en-US" sz="2800" b="0" i="0" u="none">
+              <a:rPr lang="en-US" sz="2800" b="0" i="0" u="none" dirty="0">
                 <a:solidFill>
                   <a:schemeClr val="dk2"/>
                 </a:solidFill>
+                <a:highlight>
+                  <a:srgbClr val="FFFF00"/>
+                </a:highlight>
                 <a:latin typeface="Arial"/>
                 <a:ea typeface="Arial"/>
                 <a:cs typeface="Arial"/>
@@ -21607,7 +21610,11 @@
               </a:rPr>
               <a:t>If we can determine exactly those entities that will become members of each subclass by a condition, the subclasses are called predicate-defined (or condition-defined) subclasses </a:t>
             </a:r>
-            <a:endParaRPr/>
+            <a:endParaRPr dirty="0">
+              <a:highlight>
+                <a:srgbClr val="FFFF00"/>
+              </a:highlight>
+            </a:endParaRPr>
           </a:p>
           <a:p>
             <a:pPr marL="742950" lvl="1" indent="-285750" algn="l" rtl="0">
@@ -21628,7 +21635,7 @@
               <a:buChar char="■"/>
             </a:pPr>
             <a:r>
-              <a:rPr lang="en-US" sz="2600" b="0" i="0" u="none">
+              <a:rPr lang="en-US" sz="2600" b="0" i="0" u="none" dirty="0">
                 <a:solidFill>
                   <a:srgbClr val="800000"/>
                 </a:solidFill>
@@ -21639,7 +21646,7 @@
               </a:rPr>
               <a:t>Condition is a constraint that determines subclass members </a:t>
             </a:r>
-            <a:endParaRPr/>
+            <a:endParaRPr dirty="0"/>
           </a:p>
           <a:p>
             <a:pPr marL="742950" lvl="1" indent="-285750" algn="l" rtl="0">
@@ -21660,7 +21667,7 @@
               <a:buChar char="■"/>
             </a:pPr>
             <a:r>
-              <a:rPr lang="en-US" sz="2600" b="0" i="0" u="none">
+              <a:rPr lang="en-US" sz="2600" b="0" i="0" u="none" dirty="0">
                 <a:solidFill>
                   <a:srgbClr val="800000"/>
                 </a:solidFill>
@@ -21671,7 +21678,7 @@
               </a:rPr>
               <a:t>Display a predicate-defined subclass by writing the predicate condition next to the line attaching the subclass to its superclass </a:t>
             </a:r>
-            <a:endParaRPr/>
+            <a:endParaRPr dirty="0"/>
           </a:p>
         </p:txBody>
       </p:sp>
@@ -21879,10 +21886,13 @@
               <a:buChar char="■"/>
             </a:pPr>
             <a:r>
-              <a:rPr lang="en-US" sz="2400" b="0" i="0" u="none">
+              <a:rPr lang="en-US" sz="2400" b="0" i="0" u="none" dirty="0">
                 <a:solidFill>
                   <a:schemeClr val="dk2"/>
                 </a:solidFill>
+                <a:highlight>
+                  <a:srgbClr val="FFFF00"/>
+                </a:highlight>
                 <a:latin typeface="Arial"/>
                 <a:ea typeface="Arial"/>
                 <a:cs typeface="Arial"/>
@@ -21891,10 +21901,13 @@
               <a:t>If all subclasses in a specialization have membership condition on same attribute of the superclass, specialization is called an </a:t>
             </a:r>
             <a:r>
-              <a:rPr lang="en-US" sz="2400" b="0" i="0" u="none">
+              <a:rPr lang="en-US" sz="2400" b="0" i="0" u="none" dirty="0">
                 <a:solidFill>
                   <a:srgbClr val="FF0000"/>
                 </a:solidFill>
+                <a:highlight>
+                  <a:srgbClr val="FFFF00"/>
+                </a:highlight>
                 <a:latin typeface="Arial"/>
                 <a:ea typeface="Arial"/>
                 <a:cs typeface="Arial"/>
@@ -21902,7 +21915,11 @@
               </a:rPr>
               <a:t>attribute-defined specialization </a:t>
             </a:r>
-            <a:endParaRPr/>
+            <a:endParaRPr dirty="0">
+              <a:highlight>
+                <a:srgbClr val="FFFF00"/>
+              </a:highlight>
+            </a:endParaRPr>
           </a:p>
           <a:p>
             <a:pPr marL="742950" lvl="1" indent="-285750" algn="l" rtl="0">
@@ -21923,7 +21940,7 @@
               <a:buChar char="■"/>
             </a:pPr>
             <a:r>
-              <a:rPr lang="en-US" sz="2200" b="0" i="0" u="none">
+              <a:rPr lang="en-US" sz="2200" b="0" i="0" u="none" dirty="0">
                 <a:solidFill>
                   <a:srgbClr val="800000"/>
                 </a:solidFill>
@@ -21934,7 +21951,7 @@
               </a:rPr>
               <a:t>Attribute is called the defining attribute of the specialization </a:t>
             </a:r>
-            <a:endParaRPr/>
+            <a:endParaRPr dirty="0"/>
           </a:p>
           <a:p>
             <a:pPr marL="742950" lvl="1" indent="-285750" algn="l" rtl="0">
@@ -21955,7 +21972,7 @@
               <a:buChar char="■"/>
             </a:pPr>
             <a:r>
-              <a:rPr lang="en-US" sz="2200" b="0" i="0" u="none">
+              <a:rPr lang="en-US" sz="2200" b="0" i="0" u="none" dirty="0">
                 <a:solidFill>
                   <a:srgbClr val="800000"/>
                 </a:solidFill>
@@ -21964,9 +21981,33 @@
                 <a:cs typeface="Arial"/>
                 <a:sym typeface="Arial"/>
               </a:rPr>
-              <a:t>Example: JobType is the defining attribute of the specialization {SECRETARY, TECHNICIAN, ENGINEER} of EMPLOYEE</a:t>
-            </a:r>
-            <a:endParaRPr/>
+              <a:t>Example: </a:t>
+            </a:r>
+            <a:r>
+              <a:rPr lang="en-US" sz="2200" b="0" i="0" u="none" dirty="0" err="1">
+                <a:solidFill>
+                  <a:srgbClr val="800000"/>
+                </a:solidFill>
+                <a:latin typeface="Arial"/>
+                <a:ea typeface="Arial"/>
+                <a:cs typeface="Arial"/>
+                <a:sym typeface="Arial"/>
+              </a:rPr>
+              <a:t>JobType</a:t>
+            </a:r>
+            <a:r>
+              <a:rPr lang="en-US" sz="2200" b="0" i="0" u="none" dirty="0">
+                <a:solidFill>
+                  <a:srgbClr val="800000"/>
+                </a:solidFill>
+                <a:latin typeface="Arial"/>
+                <a:ea typeface="Arial"/>
+                <a:cs typeface="Arial"/>
+                <a:sym typeface="Arial"/>
+              </a:rPr>
+              <a:t> is the defining attribute of the specialization {SECRETARY, TECHNICIAN, ENGINEER} of EMPLOYEE</a:t>
+            </a:r>
+            <a:endParaRPr dirty="0"/>
           </a:p>
           <a:p>
             <a:pPr marL="342900" lvl="0" indent="-342900" algn="l" rtl="0">
@@ -21987,10 +22028,13 @@
               <a:buChar char="■"/>
             </a:pPr>
             <a:r>
-              <a:rPr lang="en-US" sz="2400" b="0" i="0" u="none">
+              <a:rPr lang="en-US" sz="2400" b="0" i="0" u="none" dirty="0">
                 <a:solidFill>
                   <a:schemeClr val="dk2"/>
                 </a:solidFill>
+                <a:highlight>
+                  <a:srgbClr val="FFFF00"/>
+                </a:highlight>
                 <a:latin typeface="Arial"/>
                 <a:ea typeface="Arial"/>
                 <a:cs typeface="Arial"/>
@@ -21999,10 +22043,13 @@
               <a:t>If no condition determines membership, the subclass is called </a:t>
             </a:r>
             <a:r>
-              <a:rPr lang="en-US" sz="2400" b="0" i="0" u="none">
+              <a:rPr lang="en-US" sz="2400" b="0" i="0" u="none" dirty="0">
                 <a:solidFill>
                   <a:srgbClr val="FF0000"/>
                 </a:solidFill>
+                <a:highlight>
+                  <a:srgbClr val="FFFF00"/>
+                </a:highlight>
                 <a:latin typeface="Arial"/>
                 <a:ea typeface="Arial"/>
                 <a:cs typeface="Arial"/>
@@ -22011,10 +22058,13 @@
               <a:t>user-defined</a:t>
             </a:r>
             <a:r>
-              <a:rPr lang="en-US" sz="2400" b="0" i="0" u="none">
+              <a:rPr lang="en-US" sz="2400" b="0" i="0" u="none" dirty="0">
                 <a:solidFill>
                   <a:schemeClr val="dk2"/>
                 </a:solidFill>
+                <a:highlight>
+                  <a:srgbClr val="FFFF00"/>
+                </a:highlight>
                 <a:latin typeface="Arial"/>
                 <a:ea typeface="Arial"/>
                 <a:cs typeface="Arial"/>
@@ -22022,7 +22072,11 @@
               </a:rPr>
               <a:t> </a:t>
             </a:r>
-            <a:endParaRPr/>
+            <a:endParaRPr dirty="0">
+              <a:highlight>
+                <a:srgbClr val="FFFF00"/>
+              </a:highlight>
+            </a:endParaRPr>
           </a:p>
           <a:p>
             <a:pPr marL="742950" lvl="1" indent="-285750" algn="l" rtl="0">
@@ -22043,7 +22097,7 @@
               <a:buChar char="■"/>
             </a:pPr>
             <a:r>
-              <a:rPr lang="en-US" sz="2200" b="0" i="0" u="none">
+              <a:rPr lang="en-US" sz="2200" b="0" i="0" u="none" dirty="0">
                 <a:solidFill>
                   <a:srgbClr val="800000"/>
                 </a:solidFill>
@@ -22054,7 +22108,7 @@
               </a:rPr>
               <a:t>Membership in a subclass is determined by the database users by applying an operation to add an entity to the subclass </a:t>
             </a:r>
-            <a:endParaRPr/>
+            <a:endParaRPr dirty="0"/>
           </a:p>
           <a:p>
             <a:pPr marL="742950" lvl="1" indent="-285750" algn="l" rtl="0">
@@ -22075,7 +22129,7 @@
               <a:buChar char="■"/>
             </a:pPr>
             <a:r>
-              <a:rPr lang="en-US" sz="2200" b="0" i="0" u="none">
+              <a:rPr lang="en-US" sz="2200" b="0" i="0" u="none" dirty="0">
                 <a:solidFill>
                   <a:srgbClr val="800000"/>
                 </a:solidFill>
@@ -22086,7 +22140,7 @@
               </a:rPr>
               <a:t>Membership in the subclass is specified individually for each entity in the superclass by the user </a:t>
             </a:r>
-            <a:endParaRPr/>
+            <a:endParaRPr dirty="0"/>
           </a:p>
         </p:txBody>
       </p:sp>
@@ -22713,7 +22767,7 @@
               <a:buChar char="■"/>
             </a:pPr>
             <a:r>
-              <a:rPr lang="en-US" sz="2600" b="0" i="0" u="none" dirty="0" err="1" smtClean="0">
+              <a:rPr lang="en-US" sz="2600" b="0" i="0" u="none" dirty="0" err="1">
                 <a:solidFill>
                   <a:srgbClr val="800000"/>
                 </a:solidFill>
@@ -22725,7 +22779,7 @@
               <a:t>Disjointness</a:t>
             </a:r>
             <a:r>
-              <a:rPr lang="en-US" sz="2600" b="0" i="0" u="none" dirty="0" smtClean="0">
+              <a:rPr lang="en-US" sz="2600" b="0" i="0" u="none" dirty="0">
                 <a:solidFill>
                   <a:srgbClr val="800000"/>
                 </a:solidFill>
@@ -22734,19 +22788,7 @@
                 <a:cs typeface="Arial"/>
                 <a:sym typeface="Arial"/>
               </a:rPr>
-              <a:t> </a:t>
-            </a:r>
-            <a:r>
-              <a:rPr lang="en-US" sz="2600" b="0" i="0" u="none" dirty="0">
-                <a:solidFill>
-                  <a:srgbClr val="800000"/>
-                </a:solidFill>
-                <a:latin typeface="Arial"/>
-                <a:ea typeface="Arial"/>
-                <a:cs typeface="Arial"/>
-                <a:sym typeface="Arial"/>
-              </a:rPr>
-              <a:t>Constraint: </a:t>
+              <a:t> Constraint: </a:t>
             </a:r>
             <a:endParaRPr dirty="0"/>
           </a:p>
@@ -22769,7 +22811,7 @@
               <a:buChar char="■"/>
             </a:pPr>
             <a:r>
-              <a:rPr lang="en-US" sz="2600" b="0" i="0" u="none" dirty="0" smtClean="0">
+              <a:rPr lang="en-US" sz="2600" b="0" i="0" u="none" dirty="0">
                 <a:solidFill>
                   <a:srgbClr val="800000"/>
                 </a:solidFill>
@@ -22778,29 +22820,8 @@
                 <a:cs typeface="Arial"/>
                 <a:sym typeface="Arial"/>
               </a:rPr>
-              <a:t>Completeness/participation </a:t>
-            </a:r>
-            <a:r>
-              <a:rPr lang="en-US" sz="2600" b="0" i="0" u="none" dirty="0">
-                <a:solidFill>
-                  <a:srgbClr val="800000"/>
-                </a:solidFill>
-                <a:latin typeface="Arial"/>
-                <a:ea typeface="Arial"/>
-                <a:cs typeface="Arial"/>
-                <a:sym typeface="Arial"/>
-              </a:rPr>
-              <a:t>Constraint: </a:t>
-            </a:r>
-            <a:endParaRPr lang="en-US" sz="2600" b="0" i="0" u="none" dirty="0" smtClean="0">
-              <a:solidFill>
-                <a:srgbClr val="800000"/>
-              </a:solidFill>
-              <a:latin typeface="Arial"/>
-              <a:ea typeface="Arial"/>
-              <a:cs typeface="Arial"/>
-              <a:sym typeface="Arial"/>
-            </a:endParaRPr>
+              <a:t>Completeness/participation Constraint: </a:t>
+            </a:r>
           </a:p>
           <a:p>
             <a:pPr marL="742950" lvl="1" indent="-285750" algn="l" rtl="0">
@@ -22821,7 +22842,7 @@
               <a:buChar char="■"/>
             </a:pPr>
             <a:r>
-              <a:rPr lang="en-US" dirty="0" smtClean="0"/>
+              <a:rPr lang="en-US" dirty="0"/>
               <a:t>Attribute Constraints:</a:t>
             </a:r>
             <a:endParaRPr dirty="0"/>
@@ -22854,7 +22875,7 @@
           <p:cNvPr id="5" name="Picture 4">
             <a:extLst>
               <a:ext uri="{FF2B5EF4-FFF2-40B4-BE49-F238E27FC236}">
-                <a16:creationId xmlns="" xmlns:a16="http://schemas.microsoft.com/office/drawing/2014/main" id="{795F6129-E24B-EB9A-7E48-CE0DEFBF42E3}"/>
+                <a16:creationId xmlns:a16="http://schemas.microsoft.com/office/drawing/2014/main" id="{795F6129-E24B-EB9A-7E48-CE0DEFBF42E3}"/>
               </a:ext>
             </a:extLst>
           </p:cNvPr>
@@ -23083,18 +23104,40 @@
               <a:buChar char="■"/>
             </a:pPr>
             <a:r>
-              <a:rPr lang="en-US" sz="2800" b="0" i="0" u="none">
+              <a:rPr lang="en-US" sz="2800" b="0" i="0" u="none" dirty="0" err="1">
                 <a:solidFill>
                   <a:schemeClr val="dk2"/>
                 </a:solidFill>
-                <a:latin typeface="Arial"/>
-                <a:ea typeface="Arial"/>
-                <a:cs typeface="Arial"/>
-                <a:sym typeface="Arial"/>
-              </a:rPr>
-              <a:t>Disjointness Constraint: </a:t>
-            </a:r>
-            <a:endParaRPr/>
+                <a:highlight>
+                  <a:srgbClr val="FFFF00"/>
+                </a:highlight>
+                <a:latin typeface="Arial"/>
+                <a:ea typeface="Arial"/>
+                <a:cs typeface="Arial"/>
+                <a:sym typeface="Arial"/>
+              </a:rPr>
+              <a:t>Disjointness</a:t>
+            </a:r>
+            <a:r>
+              <a:rPr lang="en-US" sz="2800" b="0" i="0" u="none" dirty="0">
+                <a:solidFill>
+                  <a:schemeClr val="dk2"/>
+                </a:solidFill>
+                <a:highlight>
+                  <a:srgbClr val="FFFF00"/>
+                </a:highlight>
+                <a:latin typeface="Arial"/>
+                <a:ea typeface="Arial"/>
+                <a:cs typeface="Arial"/>
+                <a:sym typeface="Arial"/>
+              </a:rPr>
+              <a:t> Constraint: </a:t>
+            </a:r>
+            <a:endParaRPr dirty="0">
+              <a:highlight>
+                <a:srgbClr val="FFFF00"/>
+              </a:highlight>
+            </a:endParaRPr>
           </a:p>
           <a:p>
             <a:pPr marL="742950" lvl="1" indent="-285750" algn="l" rtl="0">
@@ -23115,10 +23158,13 @@
               <a:buChar char="■"/>
             </a:pPr>
             <a:r>
-              <a:rPr lang="en-US" sz="2600" b="0" i="0" u="none">
+              <a:rPr lang="en-US" sz="2600" b="0" i="0" u="none" dirty="0">
                 <a:solidFill>
                   <a:srgbClr val="800000"/>
                 </a:solidFill>
+                <a:highlight>
+                  <a:srgbClr val="FFFF00"/>
+                </a:highlight>
                 <a:latin typeface="Arial"/>
                 <a:ea typeface="Arial"/>
                 <a:cs typeface="Arial"/>
@@ -23127,10 +23173,13 @@
               <a:t>Specifies that the subclasses of the specialization must be </a:t>
             </a:r>
             <a:r>
-              <a:rPr lang="en-US" sz="2600" b="0" i="1" u="none">
+              <a:rPr lang="en-US" sz="2600" b="0" i="1" u="none" dirty="0">
                 <a:solidFill>
                   <a:srgbClr val="800000"/>
                 </a:solidFill>
+                <a:highlight>
+                  <a:srgbClr val="FFFF00"/>
+                </a:highlight>
                 <a:latin typeface="Arial"/>
                 <a:ea typeface="Arial"/>
                 <a:cs typeface="Arial"/>
@@ -23139,10 +23188,13 @@
               <a:t>disjoint</a:t>
             </a:r>
             <a:r>
-              <a:rPr lang="en-US" sz="2600" b="0" i="0" u="none">
+              <a:rPr lang="en-US" sz="2600" b="0" i="0" u="none" dirty="0">
                 <a:solidFill>
                   <a:srgbClr val="800000"/>
                 </a:solidFill>
+                <a:highlight>
+                  <a:srgbClr val="FFFF00"/>
+                </a:highlight>
                 <a:latin typeface="Arial"/>
                 <a:ea typeface="Arial"/>
                 <a:cs typeface="Arial"/>
@@ -23150,10 +23202,13 @@
               </a:rPr>
               <a:t>:</a:t>
             </a:r>
-            <a:endParaRPr sz="2600" b="0" i="1" u="none">
+            <a:endParaRPr sz="2600" b="0" i="1" u="none" dirty="0">
               <a:solidFill>
                 <a:srgbClr val="800000"/>
               </a:solidFill>
+              <a:highlight>
+                <a:srgbClr val="FFFF00"/>
+              </a:highlight>
               <a:latin typeface="Arial"/>
               <a:ea typeface="Arial"/>
               <a:cs typeface="Arial"/>
@@ -23179,10 +23234,13 @@
               <a:buChar char="■"/>
             </a:pPr>
             <a:r>
-              <a:rPr lang="en-US" sz="2400" b="0" i="0" u="none">
+              <a:rPr lang="en-US" sz="2400" b="0" i="0" u="none" dirty="0">
                 <a:solidFill>
                   <a:schemeClr val="dk2"/>
                 </a:solidFill>
+                <a:highlight>
+                  <a:srgbClr val="FFFF00"/>
+                </a:highlight>
                 <a:latin typeface="Arial"/>
                 <a:ea typeface="Arial"/>
                 <a:cs typeface="Arial"/>
@@ -23190,7 +23248,11 @@
               </a:rPr>
               <a:t>an entity can be a member of at most one of the subclasses of the specialization</a:t>
             </a:r>
-            <a:endParaRPr/>
+            <a:endParaRPr dirty="0">
+              <a:highlight>
+                <a:srgbClr val="FFFF00"/>
+              </a:highlight>
+            </a:endParaRPr>
           </a:p>
           <a:p>
             <a:pPr marL="742950" lvl="1" indent="-285750" algn="l" rtl="0">
@@ -23211,10 +23273,13 @@
               <a:buChar char="■"/>
             </a:pPr>
             <a:r>
-              <a:rPr lang="en-US" sz="2600" b="0" i="0" u="none">
+              <a:rPr lang="en-US" sz="2600" b="0" i="0" u="none" dirty="0">
                 <a:solidFill>
                   <a:srgbClr val="800000"/>
                 </a:solidFill>
+                <a:highlight>
+                  <a:srgbClr val="FFFF00"/>
+                </a:highlight>
                 <a:latin typeface="Arial"/>
                 <a:ea typeface="Arial"/>
                 <a:cs typeface="Arial"/>
@@ -23223,10 +23288,13 @@
               <a:t>Specified by </a:t>
             </a:r>
             <a:r>
-              <a:rPr lang="en-US" sz="2600" b="1" i="1" u="sng">
+              <a:rPr lang="en-US" sz="2600" b="1" i="1" u="sng" dirty="0">
                 <a:solidFill>
                   <a:srgbClr val="800000"/>
                 </a:solidFill>
+                <a:highlight>
+                  <a:srgbClr val="FFFF00"/>
+                </a:highlight>
                 <a:latin typeface="Arial"/>
                 <a:ea typeface="Arial"/>
                 <a:cs typeface="Arial"/>
@@ -23235,10 +23303,13 @@
               <a:t>d</a:t>
             </a:r>
             <a:r>
-              <a:rPr lang="en-US" sz="2600" b="0" i="0" u="none">
+              <a:rPr lang="en-US" sz="2600" b="0" i="0" u="none" dirty="0">
                 <a:solidFill>
                   <a:srgbClr val="800000"/>
                 </a:solidFill>
+                <a:highlight>
+                  <a:srgbClr val="FFFF00"/>
+                </a:highlight>
                 <a:latin typeface="Arial"/>
                 <a:ea typeface="Arial"/>
                 <a:cs typeface="Arial"/>
@@ -23246,7 +23317,11 @@
               </a:rPr>
               <a:t> in EER diagram </a:t>
             </a:r>
-            <a:endParaRPr/>
+            <a:endParaRPr dirty="0">
+              <a:highlight>
+                <a:srgbClr val="FFFF00"/>
+              </a:highlight>
+            </a:endParaRPr>
           </a:p>
           <a:p>
             <a:pPr marL="742950" lvl="1" indent="-285750" algn="l" rtl="0">
@@ -23267,10 +23342,13 @@
               <a:buChar char="■"/>
             </a:pPr>
             <a:r>
-              <a:rPr lang="en-US" sz="2600" b="0" i="0" u="none">
+              <a:rPr lang="en-US" sz="2600" b="0" i="0" u="none" dirty="0">
                 <a:solidFill>
                   <a:srgbClr val="800000"/>
                 </a:solidFill>
+                <a:highlight>
+                  <a:srgbClr val="FFFF00"/>
+                </a:highlight>
                 <a:latin typeface="Arial"/>
                 <a:ea typeface="Arial"/>
                 <a:cs typeface="Arial"/>
@@ -23279,10 +23357,13 @@
               <a:t>If not disjoint, specialization is </a:t>
             </a:r>
             <a:r>
-              <a:rPr lang="en-US" sz="2600" b="0" i="1" u="none">
+              <a:rPr lang="en-US" sz="2600" b="0" i="1" u="none" dirty="0">
                 <a:solidFill>
                   <a:srgbClr val="800000"/>
                 </a:solidFill>
+                <a:highlight>
+                  <a:srgbClr val="FFFF00"/>
+                </a:highlight>
                 <a:latin typeface="Arial"/>
                 <a:ea typeface="Arial"/>
                 <a:cs typeface="Arial"/>
@@ -23291,10 +23372,13 @@
               <a:t>overlapping</a:t>
             </a:r>
             <a:r>
-              <a:rPr lang="en-US" sz="2600" b="0" i="0" u="none">
+              <a:rPr lang="en-US" sz="2600" b="0" i="0" u="none" dirty="0">
                 <a:solidFill>
                   <a:srgbClr val="800000"/>
                 </a:solidFill>
+                <a:highlight>
+                  <a:srgbClr val="FFFF00"/>
+                </a:highlight>
                 <a:latin typeface="Arial"/>
                 <a:ea typeface="Arial"/>
                 <a:cs typeface="Arial"/>
@@ -23302,7 +23386,11 @@
               </a:rPr>
               <a:t>:</a:t>
             </a:r>
-            <a:endParaRPr/>
+            <a:endParaRPr dirty="0">
+              <a:highlight>
+                <a:srgbClr val="FFFF00"/>
+              </a:highlight>
+            </a:endParaRPr>
           </a:p>
           <a:p>
             <a:pPr marL="1143000" lvl="2" indent="-228600" algn="l" rtl="0">
@@ -23323,10 +23411,13 @@
               <a:buChar char="■"/>
             </a:pPr>
             <a:r>
-              <a:rPr lang="en-US" sz="2400" b="0" i="0" u="none">
+              <a:rPr lang="en-US" sz="2400" b="0" i="0" u="none" dirty="0">
                 <a:solidFill>
                   <a:schemeClr val="dk2"/>
                 </a:solidFill>
+                <a:highlight>
+                  <a:srgbClr val="FFFF00"/>
+                </a:highlight>
                 <a:latin typeface="Arial"/>
                 <a:ea typeface="Arial"/>
                 <a:cs typeface="Arial"/>
@@ -23334,7 +23425,11 @@
               </a:rPr>
               <a:t>that is the same entity may be a member of more than one subclass of the specialization</a:t>
             </a:r>
-            <a:endParaRPr/>
+            <a:endParaRPr dirty="0">
+              <a:highlight>
+                <a:srgbClr val="FFFF00"/>
+              </a:highlight>
+            </a:endParaRPr>
           </a:p>
           <a:p>
             <a:pPr marL="742950" lvl="1" indent="-285750" algn="l" rtl="0">
@@ -23355,10 +23450,13 @@
               <a:buChar char="■"/>
             </a:pPr>
             <a:r>
-              <a:rPr lang="en-US" sz="2600" b="0" i="0" u="none">
+              <a:rPr lang="en-US" sz="2600" b="0" i="0" u="none" dirty="0">
                 <a:solidFill>
                   <a:srgbClr val="800000"/>
                 </a:solidFill>
+                <a:highlight>
+                  <a:srgbClr val="FFFF00"/>
+                </a:highlight>
                 <a:latin typeface="Arial"/>
                 <a:ea typeface="Arial"/>
                 <a:cs typeface="Arial"/>
@@ -23367,10 +23465,13 @@
               <a:t>Specified by </a:t>
             </a:r>
             <a:r>
-              <a:rPr lang="en-US" sz="2600" b="1" i="1" u="sng">
+              <a:rPr lang="en-US" sz="2600" b="1" i="1" u="sng" dirty="0">
                 <a:solidFill>
                   <a:srgbClr val="800000"/>
                 </a:solidFill>
+                <a:highlight>
+                  <a:srgbClr val="FFFF00"/>
+                </a:highlight>
                 <a:latin typeface="Arial"/>
                 <a:ea typeface="Arial"/>
                 <a:cs typeface="Arial"/>
@@ -23379,10 +23480,13 @@
               <a:t>o</a:t>
             </a:r>
             <a:r>
-              <a:rPr lang="en-US" sz="2600" b="0" i="0" u="none">
+              <a:rPr lang="en-US" sz="2600" b="0" i="0" u="none" dirty="0">
                 <a:solidFill>
                   <a:srgbClr val="800000"/>
                 </a:solidFill>
+                <a:highlight>
+                  <a:srgbClr val="FFFF00"/>
+                </a:highlight>
                 <a:latin typeface="Arial"/>
                 <a:ea typeface="Arial"/>
                 <a:cs typeface="Arial"/>
@@ -23390,7 +23494,11 @@
               </a:rPr>
               <a:t> in EER diagram </a:t>
             </a:r>
-            <a:endParaRPr/>
+            <a:endParaRPr dirty="0">
+              <a:highlight>
+                <a:srgbClr val="FFFF00"/>
+              </a:highlight>
+            </a:endParaRPr>
           </a:p>
         </p:txBody>
       </p:sp>
@@ -23541,21 +23649,7 @@
                 <a:latin typeface="Times New Roman"/>
                 <a:ea typeface="DejaVu Sans"/>
               </a:rPr>
-              <a:t>subclasses of the specialization.  It is denoted by ‘d</a:t>
-            </a:r>
-            <a:r>
-              <a:rPr lang="en-IN" sz="2200" spc="-1" dirty="0" smtClean="0">
-                <a:latin typeface="Times New Roman"/>
-                <a:ea typeface="DejaVu Sans"/>
-              </a:rPr>
-              <a:t>’ in </a:t>
-            </a:r>
-            <a:r>
-              <a:rPr lang="en-IN" sz="2200" spc="-1" dirty="0">
-                <a:latin typeface="Times New Roman"/>
-                <a:ea typeface="DejaVu Sans"/>
-              </a:rPr>
-              <a:t>circle.</a:t>
+              <a:t>subclasses of the specialization.  It is denoted by ‘d’ in circle.</a:t>
             </a:r>
             <a:endParaRPr lang="en-US" sz="2200" spc="-1" dirty="0">
               <a:latin typeface="Arial"/>
@@ -23606,10 +23700,6 @@
                 <a:tab pos="0" algn="l"/>
               </a:tabLst>
             </a:pPr>
-            <a:r>
-              <a:rPr dirty="0"/>
-              <a:t/>
-            </a:r>
             <a:br>
               <a:rPr dirty="0"/>
             </a:br>
@@ -24205,10 +24295,13 @@
               <a:buChar char="■"/>
             </a:pPr>
             <a:r>
-              <a:rPr lang="en-US" sz="2800" b="0" i="0" u="none">
+              <a:rPr lang="en-US" sz="2800" b="0" i="0" u="none" dirty="0">
                 <a:solidFill>
                   <a:schemeClr val="dk2"/>
                 </a:solidFill>
+                <a:highlight>
+                  <a:srgbClr val="FFFF00"/>
+                </a:highlight>
                 <a:latin typeface="Arial"/>
                 <a:ea typeface="Arial"/>
                 <a:cs typeface="Arial"/>
@@ -24216,7 +24309,11 @@
               </a:rPr>
               <a:t>Completeness Constraint: </a:t>
             </a:r>
-            <a:endParaRPr/>
+            <a:endParaRPr dirty="0">
+              <a:highlight>
+                <a:srgbClr val="FFFF00"/>
+              </a:highlight>
+            </a:endParaRPr>
           </a:p>
           <a:p>
             <a:pPr marL="742950" lvl="1" indent="-285750" algn="l" rtl="0">
@@ -24237,10 +24334,13 @@
               <a:buChar char="■"/>
             </a:pPr>
             <a:r>
-              <a:rPr lang="en-US" sz="2600" b="0" i="1" u="none">
+              <a:rPr lang="en-US" sz="2600" b="0" i="1" u="none" dirty="0">
                 <a:solidFill>
                   <a:srgbClr val="800000"/>
                 </a:solidFill>
+                <a:highlight>
+                  <a:srgbClr val="FFFF00"/>
+                </a:highlight>
                 <a:latin typeface="Arial"/>
                 <a:ea typeface="Arial"/>
                 <a:cs typeface="Arial"/>
@@ -24249,10 +24349,13 @@
               <a:t>Total</a:t>
             </a:r>
             <a:r>
-              <a:rPr lang="en-US" sz="2600" b="0" i="0" u="none">
+              <a:rPr lang="en-US" sz="2600" b="0" i="0" u="none" dirty="0">
                 <a:solidFill>
                   <a:srgbClr val="800000"/>
                 </a:solidFill>
+                <a:highlight>
+                  <a:srgbClr val="FFFF00"/>
+                </a:highlight>
                 <a:latin typeface="Arial"/>
                 <a:ea typeface="Arial"/>
                 <a:cs typeface="Arial"/>
@@ -24260,7 +24363,11 @@
               </a:rPr>
               <a:t> specifies that every entity in the superclass must be a member of some subclass in the specialization/generalization </a:t>
             </a:r>
-            <a:endParaRPr/>
+            <a:endParaRPr dirty="0">
+              <a:highlight>
+                <a:srgbClr val="FFFF00"/>
+              </a:highlight>
+            </a:endParaRPr>
           </a:p>
           <a:p>
             <a:pPr marL="742950" lvl="1" indent="-285750" algn="l" rtl="0">
@@ -24281,10 +24388,13 @@
               <a:buChar char="■"/>
             </a:pPr>
             <a:r>
-              <a:rPr lang="en-US" sz="2600" b="0" i="0" u="none">
+              <a:rPr lang="en-US" sz="2600" b="0" i="0" u="none" dirty="0">
                 <a:solidFill>
                   <a:srgbClr val="800000"/>
                 </a:solidFill>
+                <a:highlight>
+                  <a:srgbClr val="FFFF00"/>
+                </a:highlight>
                 <a:latin typeface="Arial"/>
                 <a:ea typeface="Arial"/>
                 <a:cs typeface="Arial"/>
@@ -24293,10 +24403,13 @@
               <a:t>Shown in EER diagrams by a </a:t>
             </a:r>
             <a:r>
-              <a:rPr lang="en-US" sz="2600" b="1" i="1" u="sng">
+              <a:rPr lang="en-US" sz="2600" b="1" i="1" u="sng" dirty="0">
                 <a:solidFill>
                   <a:srgbClr val="800000"/>
                 </a:solidFill>
+                <a:highlight>
+                  <a:srgbClr val="FFFF00"/>
+                </a:highlight>
                 <a:latin typeface="Arial"/>
                 <a:ea typeface="Arial"/>
                 <a:cs typeface="Arial"/>
@@ -24305,10 +24418,13 @@
               <a:t>double line</a:t>
             </a:r>
             <a:r>
-              <a:rPr lang="en-US" sz="2600" b="0" i="0" u="none">
+              <a:rPr lang="en-US" sz="2600" b="0" i="0" u="none" dirty="0">
                 <a:solidFill>
                   <a:srgbClr val="800000"/>
                 </a:solidFill>
+                <a:highlight>
+                  <a:srgbClr val="FFFF00"/>
+                </a:highlight>
                 <a:latin typeface="Arial"/>
                 <a:ea typeface="Arial"/>
                 <a:cs typeface="Arial"/>
@@ -24316,7 +24432,11 @@
               </a:rPr>
               <a:t> </a:t>
             </a:r>
-            <a:endParaRPr/>
+            <a:endParaRPr dirty="0">
+              <a:highlight>
+                <a:srgbClr val="FFFF00"/>
+              </a:highlight>
+            </a:endParaRPr>
           </a:p>
           <a:p>
             <a:pPr marL="742950" lvl="1" indent="-285750" algn="l" rtl="0">
@@ -24337,10 +24457,13 @@
               <a:buChar char="■"/>
             </a:pPr>
             <a:r>
-              <a:rPr lang="en-US" sz="2600" b="0" i="1" u="none">
+              <a:rPr lang="en-US" sz="2600" b="0" i="1" u="none" dirty="0">
                 <a:solidFill>
                   <a:srgbClr val="800000"/>
                 </a:solidFill>
+                <a:highlight>
+                  <a:srgbClr val="FFFF00"/>
+                </a:highlight>
                 <a:latin typeface="Arial"/>
                 <a:ea typeface="Arial"/>
                 <a:cs typeface="Arial"/>
@@ -24349,10 +24472,13 @@
               <a:t>Partial</a:t>
             </a:r>
             <a:r>
-              <a:rPr lang="en-US" sz="2600" b="0" i="0" u="none">
+              <a:rPr lang="en-US" sz="2600" b="0" i="0" u="none" dirty="0">
                 <a:solidFill>
                   <a:srgbClr val="800000"/>
                 </a:solidFill>
+                <a:highlight>
+                  <a:srgbClr val="FFFF00"/>
+                </a:highlight>
                 <a:latin typeface="Arial"/>
                 <a:ea typeface="Arial"/>
                 <a:cs typeface="Arial"/>
@@ -24360,7 +24486,11 @@
               </a:rPr>
               <a:t> allows an entity not to belong to any of the subclasses </a:t>
             </a:r>
-            <a:endParaRPr/>
+            <a:endParaRPr dirty="0">
+              <a:highlight>
+                <a:srgbClr val="FFFF00"/>
+              </a:highlight>
+            </a:endParaRPr>
           </a:p>
           <a:p>
             <a:pPr marL="742950" lvl="1" indent="-285750" algn="l" rtl="0">
@@ -24381,10 +24511,13 @@
               <a:buChar char="■"/>
             </a:pPr>
             <a:r>
-              <a:rPr lang="en-US" sz="2600" b="0" i="0" u="none">
+              <a:rPr lang="en-US" sz="2600" b="0" i="0" u="none" dirty="0">
                 <a:solidFill>
                   <a:srgbClr val="800000"/>
                 </a:solidFill>
+                <a:highlight>
+                  <a:srgbClr val="FFFF00"/>
+                </a:highlight>
                 <a:latin typeface="Arial"/>
                 <a:ea typeface="Arial"/>
                 <a:cs typeface="Arial"/>
@@ -24392,7 +24525,11 @@
               </a:rPr>
               <a:t>Shown in EER diagrams by a single line</a:t>
             </a:r>
-            <a:endParaRPr/>
+            <a:endParaRPr dirty="0">
+              <a:highlight>
+                <a:srgbClr val="FFFF00"/>
+              </a:highlight>
+            </a:endParaRPr>
           </a:p>
         </p:txBody>
       </p:sp>
@@ -24401,13 +24538,6 @@
   <p:clrMapOvr>
     <a:masterClrMapping/>
   </p:clrMapOvr>
-  <p:timing>
-    <p:tnLst>
-      <p:par>
-        <p:cTn id="1" dur="indefinite" restart="never" nodeType="tmRoot"/>
-      </p:par>
-    </p:tnLst>
-  </p:timing>
 </p:sld>
 </file>
 
@@ -24504,7 +24634,7 @@
           <a:lstStyle/>
           <a:p>
             <a:r>
-              <a:rPr lang="en-US" dirty="0" smtClean="0"/>
+              <a:rPr lang="en-US" dirty="0"/>
               <a:t>Total participation              Partial Participation </a:t>
             </a:r>
             <a:endParaRPr lang="en-IN" dirty="0"/>
@@ -24536,7 +24666,7 @@
               <a:buNone/>
             </a:pPr>
             <a:r>
-              <a:rPr lang="en-US" smtClean="0"/>
+              <a:rPr lang="en-US"/>
               <a:t>Slide 4- </a:t>
             </a:r>
             <a:fld id="{00000000-1234-1234-1234-123412341234}" type="slidenum">
@@ -25919,6 +26049,9 @@
                 <a:solidFill>
                   <a:schemeClr val="dk2"/>
                 </a:solidFill>
+                <a:highlight>
+                  <a:srgbClr val="FFFF00"/>
+                </a:highlight>
                 <a:latin typeface="Arial"/>
                 <a:ea typeface="Arial"/>
                 <a:cs typeface="Arial"/>
@@ -25926,7 +26059,11 @@
               </a:rPr>
               <a:t>A subclass may itself have further subclasses specified on it </a:t>
             </a:r>
-            <a:endParaRPr dirty="0"/>
+            <a:endParaRPr dirty="0">
+              <a:highlight>
+                <a:srgbClr val="FFFF00"/>
+              </a:highlight>
+            </a:endParaRPr>
           </a:p>
           <a:p>
             <a:pPr marL="742950" lvl="1" indent="-285750" algn="l" rtl="0">
@@ -25951,6 +26088,9 @@
                 <a:solidFill>
                   <a:srgbClr val="800000"/>
                 </a:solidFill>
+                <a:highlight>
+                  <a:srgbClr val="FFFF00"/>
+                </a:highlight>
                 <a:latin typeface="Arial"/>
                 <a:ea typeface="Arial"/>
                 <a:cs typeface="Arial"/>
@@ -25958,7 +26098,11 @@
               </a:rPr>
               <a:t>forms a hierarchy or a lattice</a:t>
             </a:r>
-            <a:endParaRPr sz="2800" dirty="0"/>
+            <a:endParaRPr sz="2800" dirty="0">
+              <a:highlight>
+                <a:srgbClr val="FFFF00"/>
+              </a:highlight>
+            </a:endParaRPr>
           </a:p>
           <a:p>
             <a:pPr marL="342900" lvl="0" indent="-342900" algn="l" rtl="0">
@@ -25983,6 +26127,9 @@
                 <a:solidFill>
                   <a:schemeClr val="dk2"/>
                 </a:solidFill>
+                <a:highlight>
+                  <a:srgbClr val="FFFF00"/>
+                </a:highlight>
                 <a:latin typeface="Arial"/>
                 <a:ea typeface="Arial"/>
                 <a:cs typeface="Arial"/>
@@ -25995,6 +26142,9 @@
                 <a:solidFill>
                   <a:schemeClr val="dk2"/>
                 </a:solidFill>
+                <a:highlight>
+                  <a:srgbClr val="FFFF00"/>
+                </a:highlight>
                 <a:latin typeface="Arial"/>
                 <a:ea typeface="Arial"/>
                 <a:cs typeface="Arial"/>
@@ -26007,6 +26157,9 @@
                 <a:solidFill>
                   <a:schemeClr val="dk2"/>
                 </a:solidFill>
+                <a:highlight>
+                  <a:srgbClr val="FFFF00"/>
+                </a:highlight>
                 <a:latin typeface="Arial"/>
                 <a:ea typeface="Arial"/>
                 <a:cs typeface="Arial"/>
@@ -26019,6 +26172,9 @@
                 <a:solidFill>
                   <a:schemeClr val="dk2"/>
                 </a:solidFill>
+                <a:highlight>
+                  <a:srgbClr val="FFFF00"/>
+                </a:highlight>
                 <a:latin typeface="Arial"/>
                 <a:ea typeface="Arial"/>
                 <a:cs typeface="Arial"/>
@@ -26031,6 +26187,9 @@
                 <a:solidFill>
                   <a:schemeClr val="dk2"/>
                 </a:solidFill>
+                <a:highlight>
+                  <a:srgbClr val="FFFF00"/>
+                </a:highlight>
                 <a:latin typeface="Arial"/>
                 <a:ea typeface="Arial"/>
                 <a:cs typeface="Arial"/>
@@ -26038,7 +26197,11 @@
               </a:rPr>
               <a:t>tree structure</a:t>
             </a:r>
-            <a:endParaRPr dirty="0"/>
+            <a:endParaRPr dirty="0">
+              <a:highlight>
+                <a:srgbClr val="FFFF00"/>
+              </a:highlight>
+            </a:endParaRPr>
           </a:p>
           <a:p>
             <a:pPr marL="342900" lvl="0" indent="-342900" algn="l" rtl="0">
@@ -26063,6 +26226,9 @@
                 <a:solidFill>
                   <a:schemeClr val="dk2"/>
                 </a:solidFill>
+                <a:highlight>
+                  <a:srgbClr val="FFFF00"/>
+                </a:highlight>
                 <a:latin typeface="Arial"/>
                 <a:ea typeface="Arial"/>
                 <a:cs typeface="Arial"/>
@@ -26075,6 +26241,9 @@
                 <a:solidFill>
                   <a:schemeClr val="dk2"/>
                 </a:solidFill>
+                <a:highlight>
+                  <a:srgbClr val="FFFF00"/>
+                </a:highlight>
                 <a:latin typeface="Arial"/>
                 <a:ea typeface="Arial"/>
                 <a:cs typeface="Arial"/>
@@ -26087,6 +26256,9 @@
                 <a:solidFill>
                   <a:schemeClr val="dk2"/>
                 </a:solidFill>
+                <a:highlight>
+                  <a:srgbClr val="FFFF00"/>
+                </a:highlight>
                 <a:latin typeface="Arial"/>
                 <a:ea typeface="Arial"/>
                 <a:cs typeface="Arial"/>
@@ -26099,6 +26271,9 @@
                 <a:solidFill>
                   <a:schemeClr val="dk2"/>
                 </a:solidFill>
+                <a:highlight>
+                  <a:srgbClr val="FFFF00"/>
+                </a:highlight>
                 <a:latin typeface="Arial"/>
                 <a:ea typeface="Arial"/>
                 <a:cs typeface="Arial"/>
@@ -26111,6 +26286,9 @@
                 <a:solidFill>
                   <a:schemeClr val="dk2"/>
                 </a:solidFill>
+                <a:highlight>
+                  <a:srgbClr val="FFFF00"/>
+                </a:highlight>
                 <a:latin typeface="Arial"/>
                 <a:ea typeface="Arial"/>
                 <a:cs typeface="Arial"/>
@@ -26864,7 +27042,7 @@
               <a:buChar char="■"/>
             </a:pPr>
             <a:r>
-              <a:rPr lang="en-US" sz="2400" b="0" i="0" u="none">
+              <a:rPr lang="en-US" sz="2400" b="0" i="0" u="none" dirty="0">
                 <a:solidFill>
                   <a:schemeClr val="dk2"/>
                 </a:solidFill>
@@ -26873,9 +27051,43 @@
                 <a:cs typeface="Arial"/>
                 <a:sym typeface="Arial"/>
               </a:rPr>
-              <a:t>In a lattice or hierarchy, a subclass inherits attributes not only of its direct superclass, but also of all its predecessor superclasses</a:t>
-            </a:r>
-            <a:endParaRPr/>
+              <a:t>In a lattice or hierarchy, a subclass </a:t>
+            </a:r>
+            <a:r>
+              <a:rPr lang="en-US" sz="2400" b="0" i="0" u="none" dirty="0">
+                <a:solidFill>
+                  <a:schemeClr val="dk2"/>
+                </a:solidFill>
+                <a:highlight>
+                  <a:srgbClr val="FFFF00"/>
+                </a:highlight>
+                <a:latin typeface="Arial"/>
+                <a:ea typeface="Arial"/>
+                <a:cs typeface="Arial"/>
+                <a:sym typeface="Arial"/>
+              </a:rPr>
+              <a:t>inherits attributes not only of its direct superclass, but also of all its predecessor </a:t>
+            </a:r>
+            <a:r>
+              <a:rPr lang="en-US" sz="2400" b="0" i="0" u="none" dirty="0" err="1">
+                <a:solidFill>
+                  <a:schemeClr val="dk2"/>
+                </a:solidFill>
+                <a:highlight>
+                  <a:srgbClr val="FFFF00"/>
+                </a:highlight>
+                <a:latin typeface="Arial"/>
+                <a:ea typeface="Arial"/>
+                <a:cs typeface="Arial"/>
+                <a:sym typeface="Arial"/>
+              </a:rPr>
+              <a:t>superclasses</a:t>
+            </a:r>
+            <a:endParaRPr dirty="0">
+              <a:highlight>
+                <a:srgbClr val="FFFF00"/>
+              </a:highlight>
+            </a:endParaRPr>
           </a:p>
           <a:p>
             <a:pPr marL="342900" lvl="0" indent="-342900" algn="l" rtl="0">
@@ -26896,10 +27108,13 @@
               <a:buChar char="■"/>
             </a:pPr>
             <a:r>
-              <a:rPr lang="en-US" sz="2400" b="0" i="0" u="none">
+              <a:rPr lang="en-US" sz="2400" b="0" i="0" u="none" dirty="0">
                 <a:solidFill>
                   <a:schemeClr val="dk2"/>
                 </a:solidFill>
+                <a:highlight>
+                  <a:srgbClr val="FFFF00"/>
+                </a:highlight>
                 <a:latin typeface="Arial"/>
                 <a:ea typeface="Arial"/>
                 <a:cs typeface="Arial"/>
@@ -26907,7 +27122,11 @@
               </a:rPr>
               <a:t>A subclass with more than one superclass is called a shared subclass (multiple inheritance)</a:t>
             </a:r>
-            <a:endParaRPr/>
+            <a:endParaRPr dirty="0">
+              <a:highlight>
+                <a:srgbClr val="FFFF00"/>
+              </a:highlight>
+            </a:endParaRPr>
           </a:p>
           <a:p>
             <a:pPr marL="342900" lvl="0" indent="-342900" algn="l" rtl="0">
@@ -26928,10 +27147,13 @@
               <a:buChar char="■"/>
             </a:pPr>
             <a:r>
-              <a:rPr lang="en-US" sz="2400" b="0" i="0" u="none">
+              <a:rPr lang="en-US" sz="2400" b="0" i="0" u="none" dirty="0">
                 <a:solidFill>
                   <a:schemeClr val="dk2"/>
                 </a:solidFill>
+                <a:highlight>
+                  <a:srgbClr val="FFFF00"/>
+                </a:highlight>
                 <a:latin typeface="Arial"/>
                 <a:ea typeface="Arial"/>
                 <a:cs typeface="Arial"/>
@@ -26939,7 +27161,11 @@
               </a:rPr>
               <a:t>Can have:</a:t>
             </a:r>
-            <a:endParaRPr/>
+            <a:endParaRPr dirty="0">
+              <a:highlight>
+                <a:srgbClr val="FFFF00"/>
+              </a:highlight>
+            </a:endParaRPr>
           </a:p>
           <a:p>
             <a:pPr marL="742950" lvl="1" indent="-285750" algn="l" rtl="0">
@@ -26960,10 +27186,13 @@
               <a:buChar char="■"/>
             </a:pPr>
             <a:r>
-              <a:rPr lang="en-US" sz="2200" b="0" i="1" u="none">
+              <a:rPr lang="en-US" sz="2200" b="0" i="1" u="none" dirty="0">
                 <a:solidFill>
                   <a:srgbClr val="800000"/>
                 </a:solidFill>
+                <a:highlight>
+                  <a:srgbClr val="FFFF00"/>
+                </a:highlight>
                 <a:latin typeface="Arial"/>
                 <a:ea typeface="Arial"/>
                 <a:cs typeface="Arial"/>
@@ -26972,10 +27201,13 @@
               <a:t>specialization</a:t>
             </a:r>
             <a:r>
-              <a:rPr lang="en-US" sz="2200" b="0" i="0" u="none">
+              <a:rPr lang="en-US" sz="2200" b="0" i="0" u="none" dirty="0">
                 <a:solidFill>
                   <a:srgbClr val="800000"/>
                 </a:solidFill>
+                <a:highlight>
+                  <a:srgbClr val="FFFF00"/>
+                </a:highlight>
                 <a:latin typeface="Arial"/>
                 <a:ea typeface="Arial"/>
                 <a:cs typeface="Arial"/>
@@ -26983,7 +27215,11 @@
               </a:rPr>
               <a:t> hierarchies or lattices, or </a:t>
             </a:r>
-            <a:endParaRPr/>
+            <a:endParaRPr dirty="0">
+              <a:highlight>
+                <a:srgbClr val="FFFF00"/>
+              </a:highlight>
+            </a:endParaRPr>
           </a:p>
           <a:p>
             <a:pPr marL="742950" lvl="1" indent="-285750" algn="l" rtl="0">
@@ -27004,10 +27240,13 @@
               <a:buChar char="■"/>
             </a:pPr>
             <a:r>
-              <a:rPr lang="en-US" sz="2200" b="0" i="1" u="none">
+              <a:rPr lang="en-US" sz="2200" b="0" i="1" u="none" dirty="0">
                 <a:solidFill>
                   <a:srgbClr val="800000"/>
                 </a:solidFill>
+                <a:highlight>
+                  <a:srgbClr val="FFFF00"/>
+                </a:highlight>
                 <a:latin typeface="Arial"/>
                 <a:ea typeface="Arial"/>
                 <a:cs typeface="Arial"/>
@@ -27016,10 +27255,13 @@
               <a:t>generalization</a:t>
             </a:r>
             <a:r>
-              <a:rPr lang="en-US" sz="2200" b="0" i="0" u="none">
+              <a:rPr lang="en-US" sz="2200" b="0" i="0" u="none" dirty="0">
                 <a:solidFill>
                   <a:srgbClr val="800000"/>
                 </a:solidFill>
+                <a:highlight>
+                  <a:srgbClr val="FFFF00"/>
+                </a:highlight>
                 <a:latin typeface="Arial"/>
                 <a:ea typeface="Arial"/>
                 <a:cs typeface="Arial"/>
@@ -27027,7 +27269,11 @@
               </a:rPr>
               <a:t> hierarchies or lattices, </a:t>
             </a:r>
-            <a:endParaRPr/>
+            <a:endParaRPr dirty="0">
+              <a:highlight>
+                <a:srgbClr val="FFFF00"/>
+              </a:highlight>
+            </a:endParaRPr>
           </a:p>
           <a:p>
             <a:pPr marL="742950" lvl="1" indent="-285750" algn="l" rtl="0">
@@ -27048,10 +27294,13 @@
               <a:buChar char="■"/>
             </a:pPr>
             <a:r>
-              <a:rPr lang="en-US" sz="2200" b="0" i="0" u="none">
+              <a:rPr lang="en-US" sz="2200" b="0" i="0" u="none" dirty="0">
                 <a:solidFill>
                   <a:srgbClr val="800000"/>
                 </a:solidFill>
+                <a:highlight>
+                  <a:srgbClr val="FFFF00"/>
+                </a:highlight>
                 <a:latin typeface="Arial"/>
                 <a:ea typeface="Arial"/>
                 <a:cs typeface="Arial"/>
@@ -27060,10 +27309,13 @@
               <a:t>depending on how they were </a:t>
             </a:r>
             <a:r>
-              <a:rPr lang="en-US" sz="2200" b="0" i="1" u="none">
+              <a:rPr lang="en-US" sz="2200" b="0" i="1" u="none" dirty="0">
                 <a:solidFill>
                   <a:srgbClr val="800000"/>
                 </a:solidFill>
+                <a:highlight>
+                  <a:srgbClr val="FFFF00"/>
+                </a:highlight>
                 <a:latin typeface="Arial"/>
                 <a:ea typeface="Arial"/>
                 <a:cs typeface="Arial"/>
@@ -27071,7 +27323,11 @@
               </a:rPr>
               <a:t>derived</a:t>
             </a:r>
-            <a:endParaRPr/>
+            <a:endParaRPr dirty="0">
+              <a:highlight>
+                <a:srgbClr val="FFFF00"/>
+              </a:highlight>
+            </a:endParaRPr>
           </a:p>
           <a:p>
             <a:pPr marL="342900" lvl="0" indent="-342900" algn="l" rtl="0">
@@ -27092,7 +27348,7 @@
               <a:buChar char="■"/>
             </a:pPr>
             <a:r>
-              <a:rPr lang="en-US" sz="2400" b="0" i="0" u="none">
+              <a:rPr lang="en-US" sz="2400" b="0" i="0" u="none" dirty="0">
                 <a:solidFill>
                   <a:schemeClr val="dk2"/>
                 </a:solidFill>
@@ -27104,7 +27360,7 @@
               <a:t>We just use </a:t>
             </a:r>
             <a:r>
-              <a:rPr lang="en-US" sz="2400" b="0" i="1" u="none">
+              <a:rPr lang="en-US" sz="2400" b="0" i="1" u="none" dirty="0">
                 <a:solidFill>
                   <a:schemeClr val="dk2"/>
                 </a:solidFill>
@@ -27116,7 +27372,7 @@
               <a:t>specialization</a:t>
             </a:r>
             <a:r>
-              <a:rPr lang="en-US" sz="2400" b="0" i="0" u="none">
+              <a:rPr lang="en-US" sz="2400" b="0" i="0" u="none" dirty="0">
                 <a:solidFill>
                   <a:schemeClr val="dk2"/>
                 </a:solidFill>
@@ -27127,7 +27383,7 @@
               </a:rPr>
               <a:t> (to stand for the end result of either specialization or generalization)</a:t>
             </a:r>
-            <a:endParaRPr/>
+            <a:endParaRPr dirty="0"/>
           </a:p>
         </p:txBody>
       </p:sp>
@@ -27515,10 +27771,13 @@
               <a:buChar char="■"/>
             </a:pPr>
             <a:r>
-              <a:rPr lang="en-US" sz="2800" b="0" i="0" u="none">
+              <a:rPr lang="en-US" sz="2800" b="0" i="0" u="none" dirty="0">
                 <a:solidFill>
                   <a:schemeClr val="dk2"/>
                 </a:solidFill>
+                <a:highlight>
+                  <a:srgbClr val="FFFF00"/>
+                </a:highlight>
                 <a:latin typeface="Arial"/>
                 <a:ea typeface="Arial"/>
                 <a:cs typeface="Arial"/>
@@ -27527,10 +27786,13 @@
               <a:t>In </a:t>
             </a:r>
             <a:r>
-              <a:rPr lang="en-US" sz="2800" b="0" i="1" u="none">
+              <a:rPr lang="en-US" sz="2800" b="0" i="1" u="none" dirty="0">
                 <a:solidFill>
                   <a:schemeClr val="dk2"/>
                 </a:solidFill>
+                <a:highlight>
+                  <a:srgbClr val="FFFF00"/>
+                </a:highlight>
                 <a:latin typeface="Arial"/>
                 <a:ea typeface="Arial"/>
                 <a:cs typeface="Arial"/>
@@ -27539,10 +27801,13 @@
               <a:t>specialization</a:t>
             </a:r>
             <a:r>
-              <a:rPr lang="en-US" sz="2800" b="0" i="0" u="none">
+              <a:rPr lang="en-US" sz="2800" b="0" i="0" u="none" dirty="0">
                 <a:solidFill>
                   <a:schemeClr val="dk2"/>
                 </a:solidFill>
+                <a:highlight>
+                  <a:srgbClr val="FFFF00"/>
+                </a:highlight>
                 <a:latin typeface="Arial"/>
                 <a:ea typeface="Arial"/>
                 <a:cs typeface="Arial"/>
@@ -27550,7 +27815,11 @@
               </a:rPr>
               <a:t>, start with an entity type and then define subclasses of the entity type by successive specialization</a:t>
             </a:r>
-            <a:endParaRPr/>
+            <a:endParaRPr dirty="0">
+              <a:highlight>
+                <a:srgbClr val="FFFF00"/>
+              </a:highlight>
+            </a:endParaRPr>
           </a:p>
           <a:p>
             <a:pPr marL="742950" lvl="1" indent="-285750" algn="l" rtl="0">
@@ -27571,10 +27840,13 @@
               <a:buChar char="■"/>
             </a:pPr>
             <a:r>
-              <a:rPr lang="en-US" sz="2600" b="0" i="0" u="none">
+              <a:rPr lang="en-US" sz="2600" b="0" i="0" u="none" dirty="0">
                 <a:solidFill>
                   <a:srgbClr val="800000"/>
                 </a:solidFill>
+                <a:highlight>
+                  <a:srgbClr val="FFFF00"/>
+                </a:highlight>
                 <a:latin typeface="Arial"/>
                 <a:ea typeface="Arial"/>
                 <a:cs typeface="Arial"/>
@@ -27583,10 +27855,13 @@
               <a:t>called a </a:t>
             </a:r>
             <a:r>
-              <a:rPr lang="en-US" sz="2600" b="0" i="1" u="none">
+              <a:rPr lang="en-US" sz="2600" b="0" i="1" u="none" dirty="0">
                 <a:solidFill>
                   <a:srgbClr val="800000"/>
                 </a:solidFill>
+                <a:highlight>
+                  <a:srgbClr val="FFFF00"/>
+                </a:highlight>
                 <a:latin typeface="Arial"/>
                 <a:ea typeface="Arial"/>
                 <a:cs typeface="Arial"/>
@@ -27595,10 +27870,13 @@
               <a:t>top down</a:t>
             </a:r>
             <a:r>
-              <a:rPr lang="en-US" sz="2600" b="0" i="0" u="none">
+              <a:rPr lang="en-US" sz="2600" b="0" i="0" u="none" dirty="0">
                 <a:solidFill>
                   <a:srgbClr val="800000"/>
                 </a:solidFill>
+                <a:highlight>
+                  <a:srgbClr val="FFFF00"/>
+                </a:highlight>
                 <a:latin typeface="Arial"/>
                 <a:ea typeface="Arial"/>
                 <a:cs typeface="Arial"/>
@@ -27606,7 +27884,11 @@
               </a:rPr>
               <a:t> conceptual refinement process</a:t>
             </a:r>
-            <a:endParaRPr/>
+            <a:endParaRPr dirty="0">
+              <a:highlight>
+                <a:srgbClr val="FFFF00"/>
+              </a:highlight>
+            </a:endParaRPr>
           </a:p>
           <a:p>
             <a:pPr marL="342900" lvl="0" indent="-342900" algn="l" rtl="0">
@@ -27627,10 +27909,13 @@
               <a:buChar char="■"/>
             </a:pPr>
             <a:r>
-              <a:rPr lang="en-US" sz="2800" b="0" i="0" u="none">
+              <a:rPr lang="en-US" sz="2800" b="0" i="0" u="none" dirty="0">
                 <a:solidFill>
                   <a:schemeClr val="dk2"/>
                 </a:solidFill>
+                <a:highlight>
+                  <a:srgbClr val="FFFF00"/>
+                </a:highlight>
                 <a:latin typeface="Arial"/>
                 <a:ea typeface="Arial"/>
                 <a:cs typeface="Arial"/>
@@ -27639,10 +27924,13 @@
               <a:t>In </a:t>
             </a:r>
             <a:r>
-              <a:rPr lang="en-US" sz="2800" b="0" i="1" u="none">
+              <a:rPr lang="en-US" sz="2800" b="0" i="1" u="none" dirty="0">
                 <a:solidFill>
                   <a:schemeClr val="dk2"/>
                 </a:solidFill>
+                <a:highlight>
+                  <a:srgbClr val="FFFF00"/>
+                </a:highlight>
                 <a:latin typeface="Arial"/>
                 <a:ea typeface="Arial"/>
                 <a:cs typeface="Arial"/>
@@ -27651,10 +27939,13 @@
               <a:t>generalization</a:t>
             </a:r>
             <a:r>
-              <a:rPr lang="en-US" sz="2800" b="0" i="0" u="none">
+              <a:rPr lang="en-US" sz="2800" b="0" i="0" u="none" dirty="0">
                 <a:solidFill>
                   <a:schemeClr val="dk2"/>
                 </a:solidFill>
+                <a:highlight>
+                  <a:srgbClr val="FFFF00"/>
+                </a:highlight>
                 <a:latin typeface="Arial"/>
                 <a:ea typeface="Arial"/>
                 <a:cs typeface="Arial"/>
@@ -27662,7 +27953,11 @@
               </a:rPr>
               <a:t>, start with many entity types and generalize those that have common properties</a:t>
             </a:r>
-            <a:endParaRPr/>
+            <a:endParaRPr dirty="0">
+              <a:highlight>
+                <a:srgbClr val="FFFF00"/>
+              </a:highlight>
+            </a:endParaRPr>
           </a:p>
           <a:p>
             <a:pPr marL="742950" lvl="1" indent="-285750" algn="l" rtl="0">
@@ -27683,10 +27978,13 @@
               <a:buChar char="■"/>
             </a:pPr>
             <a:r>
-              <a:rPr lang="en-US" sz="2600" b="0" i="0" u="none">
+              <a:rPr lang="en-US" sz="2600" b="0" i="0" u="none" dirty="0">
                 <a:solidFill>
                   <a:srgbClr val="800000"/>
                 </a:solidFill>
+                <a:highlight>
+                  <a:srgbClr val="FFFF00"/>
+                </a:highlight>
                 <a:latin typeface="Arial"/>
                 <a:ea typeface="Arial"/>
                 <a:cs typeface="Arial"/>
@@ -27695,10 +27993,13 @@
               <a:t>Called a </a:t>
             </a:r>
             <a:r>
-              <a:rPr lang="en-US" sz="2600" b="0" i="1" u="none">
+              <a:rPr lang="en-US" sz="2600" b="0" i="1" u="none" dirty="0">
                 <a:solidFill>
                   <a:srgbClr val="800000"/>
                 </a:solidFill>
+                <a:highlight>
+                  <a:srgbClr val="FFFF00"/>
+                </a:highlight>
                 <a:latin typeface="Arial"/>
                 <a:ea typeface="Arial"/>
                 <a:cs typeface="Arial"/>
@@ -27707,10 +28008,13 @@
               <a:t>bottom up</a:t>
             </a:r>
             <a:r>
-              <a:rPr lang="en-US" sz="2600" b="0" i="0" u="none">
+              <a:rPr lang="en-US" sz="2600" b="0" i="0" u="none" dirty="0">
                 <a:solidFill>
                   <a:srgbClr val="800000"/>
                 </a:solidFill>
+                <a:highlight>
+                  <a:srgbClr val="FFFF00"/>
+                </a:highlight>
                 <a:latin typeface="Arial"/>
                 <a:ea typeface="Arial"/>
                 <a:cs typeface="Arial"/>
@@ -27718,7 +28022,11 @@
               </a:rPr>
               <a:t> conceptual synthesis process</a:t>
             </a:r>
-            <a:endParaRPr/>
+            <a:endParaRPr dirty="0">
+              <a:highlight>
+                <a:srgbClr val="FFFF00"/>
+              </a:highlight>
+            </a:endParaRPr>
           </a:p>
           <a:p>
             <a:pPr marL="342900" lvl="0" indent="-342900" algn="l" rtl="0">
@@ -27739,7 +28047,7 @@
               <a:buChar char="■"/>
             </a:pPr>
             <a:r>
-              <a:rPr lang="en-US" sz="2800" b="0" i="0" u="none">
+              <a:rPr lang="en-US" sz="2800" b="0" i="0" u="none" dirty="0">
                 <a:solidFill>
                   <a:schemeClr val="dk2"/>
                 </a:solidFill>
@@ -27751,7 +28059,7 @@
               <a:t>In practice, a </a:t>
             </a:r>
             <a:r>
-              <a:rPr lang="en-US" sz="2800" b="0" i="1" u="none">
+              <a:rPr lang="en-US" sz="2800" b="0" i="1" u="none" dirty="0">
                 <a:solidFill>
                   <a:schemeClr val="dk2"/>
                 </a:solidFill>
@@ -27763,7 +28071,7 @@
               <a:t>combination of both processes</a:t>
             </a:r>
             <a:r>
-              <a:rPr lang="en-US" sz="2800" b="0" i="0" u="none">
+              <a:rPr lang="en-US" sz="2800" b="0" i="0" u="none" dirty="0">
                 <a:solidFill>
                   <a:schemeClr val="dk2"/>
                 </a:solidFill>
@@ -27774,7 +28082,7 @@
               </a:rPr>
               <a:t> is usually employed </a:t>
             </a:r>
-            <a:endParaRPr/>
+            <a:endParaRPr dirty="0"/>
           </a:p>
         </p:txBody>
       </p:sp>
@@ -28741,6 +29049,9 @@
                 <a:solidFill>
                   <a:srgbClr val="800000"/>
                 </a:solidFill>
+                <a:highlight>
+                  <a:srgbClr val="FFFF00"/>
+                </a:highlight>
                 <a:latin typeface="Arial"/>
                 <a:ea typeface="Arial"/>
                 <a:cs typeface="Arial"/>
@@ -28753,6 +29064,9 @@
                 <a:solidFill>
                   <a:srgbClr val="800000"/>
                 </a:solidFill>
+                <a:highlight>
+                  <a:srgbClr val="FFFF00"/>
+                </a:highlight>
                 <a:latin typeface="Arial"/>
                 <a:ea typeface="Arial"/>
                 <a:cs typeface="Arial"/>
@@ -28765,6 +29079,9 @@
                 <a:solidFill>
                   <a:srgbClr val="800000"/>
                 </a:solidFill>
+                <a:highlight>
+                  <a:srgbClr val="FFFF00"/>
+                </a:highlight>
                 <a:latin typeface="Arial"/>
                 <a:ea typeface="Arial"/>
                 <a:cs typeface="Arial"/>
@@ -28777,6 +29094,9 @@
                 <a:solidFill>
                   <a:srgbClr val="800000"/>
                 </a:solidFill>
+                <a:highlight>
+                  <a:srgbClr val="FFFF00"/>
+                </a:highlight>
                 <a:latin typeface="Arial"/>
                 <a:ea typeface="Arial"/>
                 <a:cs typeface="Arial"/>
@@ -28789,6 +29109,9 @@
                 <a:solidFill>
                   <a:srgbClr val="800000"/>
                 </a:solidFill>
+                <a:highlight>
+                  <a:srgbClr val="FFFF00"/>
+                </a:highlight>
                 <a:latin typeface="Arial"/>
                 <a:ea typeface="Arial"/>
                 <a:cs typeface="Arial"/>
@@ -28801,6 +29124,9 @@
                 <a:solidFill>
                   <a:srgbClr val="800000"/>
                 </a:solidFill>
+                <a:highlight>
+                  <a:srgbClr val="FFFF00"/>
+                </a:highlight>
                 <a:latin typeface="Arial"/>
                 <a:ea typeface="Arial"/>
                 <a:cs typeface="Arial"/>
@@ -28813,6 +29139,9 @@
                 <a:solidFill>
                   <a:srgbClr val="800000"/>
                 </a:solidFill>
+                <a:highlight>
+                  <a:srgbClr val="FFFF00"/>
+                </a:highlight>
                 <a:latin typeface="Arial"/>
                 <a:ea typeface="Arial"/>
                 <a:cs typeface="Arial"/>
@@ -28820,7 +29149,11 @@
               </a:rPr>
               <a:t> COMPANY, BANK, and PERSON </a:t>
             </a:r>
-            <a:endParaRPr dirty="0"/>
+            <a:endParaRPr dirty="0">
+              <a:highlight>
+                <a:srgbClr val="FFFF00"/>
+              </a:highlight>
+            </a:endParaRPr>
           </a:p>
           <a:p>
             <a:pPr marL="742950" lvl="1" indent="-285750" algn="l" rtl="0">
@@ -28845,6 +29178,9 @@
                 <a:solidFill>
                   <a:srgbClr val="800000"/>
                 </a:solidFill>
+                <a:highlight>
+                  <a:srgbClr val="FFFF00"/>
+                </a:highlight>
                 <a:latin typeface="Arial"/>
                 <a:ea typeface="Arial"/>
                 <a:cs typeface="Arial"/>
@@ -28857,6 +29193,9 @@
                 <a:solidFill>
                   <a:srgbClr val="800000"/>
                 </a:solidFill>
+                <a:highlight>
+                  <a:srgbClr val="FFFF00"/>
+                </a:highlight>
                 <a:latin typeface="Arial"/>
                 <a:ea typeface="Arial"/>
                 <a:cs typeface="Arial"/>
@@ -28869,6 +29208,9 @@
                 <a:solidFill>
                   <a:srgbClr val="800000"/>
                 </a:solidFill>
+                <a:highlight>
+                  <a:srgbClr val="FFFF00"/>
+                </a:highlight>
                 <a:latin typeface="Arial"/>
                 <a:ea typeface="Arial"/>
                 <a:cs typeface="Arial"/>
@@ -28881,6 +29223,9 @@
                 <a:solidFill>
                   <a:srgbClr val="800000"/>
                 </a:solidFill>
+                <a:highlight>
+                  <a:srgbClr val="FFFF00"/>
+                </a:highlight>
                 <a:latin typeface="Arial"/>
                 <a:ea typeface="Arial"/>
                 <a:cs typeface="Arial"/>
@@ -28888,7 +29233,11 @@
               </a:rPr>
               <a:t>superclasses</a:t>
             </a:r>
-            <a:endParaRPr dirty="0"/>
+            <a:endParaRPr dirty="0">
+              <a:highlight>
+                <a:srgbClr val="FFFF00"/>
+              </a:highlight>
+            </a:endParaRPr>
           </a:p>
           <a:p>
             <a:pPr marL="342900" lvl="0" indent="-342900" algn="l" rtl="0">
@@ -28913,6 +29262,9 @@
                 <a:solidFill>
                   <a:schemeClr val="dk2"/>
                 </a:solidFill>
+                <a:highlight>
+                  <a:srgbClr val="FFFF00"/>
+                </a:highlight>
                 <a:latin typeface="Arial"/>
                 <a:ea typeface="Arial"/>
                 <a:cs typeface="Arial"/>
@@ -28925,6 +29277,9 @@
                 <a:solidFill>
                   <a:schemeClr val="dk2"/>
                 </a:solidFill>
+                <a:highlight>
+                  <a:srgbClr val="FFFF00"/>
+                </a:highlight>
                 <a:latin typeface="Arial"/>
                 <a:ea typeface="Arial"/>
                 <a:cs typeface="Arial"/>
@@ -28937,6 +29292,9 @@
                 <a:solidFill>
                   <a:schemeClr val="dk2"/>
                 </a:solidFill>
+                <a:highlight>
+                  <a:srgbClr val="FFFF00"/>
+                </a:highlight>
                 <a:latin typeface="Arial"/>
                 <a:ea typeface="Arial"/>
                 <a:cs typeface="Arial"/>
@@ -28968,6 +29326,9 @@
                 <a:solidFill>
                   <a:srgbClr val="800000"/>
                 </a:solidFill>
+                <a:highlight>
+                  <a:srgbClr val="FFFF00"/>
+                </a:highlight>
                 <a:latin typeface="Arial"/>
                 <a:ea typeface="Arial"/>
                 <a:cs typeface="Arial"/>
@@ -28980,6 +29341,9 @@
                 <a:solidFill>
                   <a:srgbClr val="800000"/>
                 </a:solidFill>
+                <a:highlight>
+                  <a:srgbClr val="FFFF00"/>
+                </a:highlight>
                 <a:latin typeface="Arial"/>
                 <a:ea typeface="Arial"/>
                 <a:cs typeface="Arial"/>
@@ -28992,6 +29356,9 @@
                 <a:solidFill>
                   <a:srgbClr val="800000"/>
                 </a:solidFill>
+                <a:highlight>
+                  <a:srgbClr val="FFFF00"/>
+                </a:highlight>
                 <a:latin typeface="Arial"/>
                 <a:ea typeface="Arial"/>
                 <a:cs typeface="Arial"/>
@@ -29004,6 +29371,9 @@
                 <a:solidFill>
                   <a:srgbClr val="800000"/>
                 </a:solidFill>
+                <a:highlight>
+                  <a:srgbClr val="FFFF00"/>
+                </a:highlight>
                 <a:latin typeface="Arial"/>
                 <a:ea typeface="Arial"/>
                 <a:cs typeface="Arial"/>
@@ -29011,7 +29381,11 @@
               </a:rPr>
               <a:t>superclasses</a:t>
             </a:r>
-            <a:endParaRPr lang="en-US" sz="2400" dirty="0"/>
+            <a:endParaRPr lang="en-US" sz="2400" dirty="0">
+              <a:highlight>
+                <a:srgbClr val="FFFF00"/>
+              </a:highlight>
+            </a:endParaRPr>
           </a:p>
           <a:p>
             <a:pPr marL="742950" lvl="1" indent="-285750" algn="l" rtl="0">
@@ -29036,6 +29410,9 @@
                 <a:solidFill>
                   <a:srgbClr val="800000"/>
                 </a:solidFill>
+                <a:highlight>
+                  <a:srgbClr val="FFFF00"/>
+                </a:highlight>
                 <a:latin typeface="Arial"/>
                 <a:ea typeface="Arial"/>
                 <a:cs typeface="Arial"/>
@@ -29048,6 +29425,9 @@
                 <a:solidFill>
                   <a:srgbClr val="800000"/>
                 </a:solidFill>
+                <a:highlight>
+                  <a:srgbClr val="FFFF00"/>
+                </a:highlight>
                 <a:latin typeface="Arial"/>
                 <a:ea typeface="Arial"/>
                 <a:cs typeface="Arial"/>
@@ -29060,6 +29440,9 @@
                 <a:solidFill>
                   <a:srgbClr val="800000"/>
                 </a:solidFill>
+                <a:highlight>
+                  <a:srgbClr val="FFFF00"/>
+                </a:highlight>
                 <a:latin typeface="Arial"/>
                 <a:ea typeface="Arial"/>
                 <a:cs typeface="Arial"/>
@@ -29072,6 +29455,9 @@
                 <a:solidFill>
                   <a:srgbClr val="800000"/>
                 </a:solidFill>
+                <a:highlight>
+                  <a:srgbClr val="FFFF00"/>
+                </a:highlight>
                 <a:latin typeface="Arial"/>
                 <a:ea typeface="Arial"/>
                 <a:cs typeface="Arial"/>
@@ -29079,7 +29465,11 @@
               </a:rPr>
               <a:t>superclasses</a:t>
             </a:r>
-            <a:endParaRPr lang="en-US" sz="2400" dirty="0"/>
+            <a:endParaRPr lang="en-US" sz="2400" dirty="0">
+              <a:highlight>
+                <a:srgbClr val="FFFF00"/>
+              </a:highlight>
+            </a:endParaRPr>
           </a:p>
           <a:p>
             <a:pPr marL="342900" lvl="0" indent="-342900" algn="l" rtl="0">
@@ -29100,10 +29490,18 @@
               <a:buChar char="■"/>
             </a:pPr>
             <a:r>
-              <a:rPr lang="en-US" sz="2400" dirty="0"/>
+              <a:rPr lang="en-US" sz="2400" dirty="0">
+                <a:highlight>
+                  <a:srgbClr val="FFFF00"/>
+                </a:highlight>
+              </a:rPr>
               <a:t>The specialization is neither disjoint nor overlapping—it’s a union.</a:t>
             </a:r>
-            <a:endParaRPr sz="2400" dirty="0"/>
+            <a:endParaRPr sz="2400" dirty="0">
+              <a:highlight>
+                <a:srgbClr val="FFFF00"/>
+              </a:highlight>
+            </a:endParaRPr>
           </a:p>
         </p:txBody>
       </p:sp>
@@ -30440,7 +30838,7 @@
         <p:spPr>
           <a:xfrm>
             <a:off x="228600" y="1462548"/>
-            <a:ext cx="8294687" cy="4572000"/>
+            <a:ext cx="8610600" cy="5166852"/>
           </a:xfrm>
           <a:prstGeom prst="rect">
             <a:avLst/>
@@ -30478,6 +30876,9 @@
                 <a:solidFill>
                   <a:schemeClr val="dk2"/>
                 </a:solidFill>
+                <a:highlight>
+                  <a:srgbClr val="FFFF00"/>
+                </a:highlight>
                 <a:latin typeface="Arial"/>
                 <a:ea typeface="Arial"/>
                 <a:cs typeface="Arial"/>
@@ -30490,6 +30891,9 @@
                 <a:solidFill>
                   <a:schemeClr val="dk2"/>
                 </a:solidFill>
+                <a:highlight>
+                  <a:srgbClr val="FFFF00"/>
+                </a:highlight>
                 <a:latin typeface="Arial"/>
                 <a:ea typeface="Arial"/>
                 <a:cs typeface="Arial"/>
@@ -30517,30 +30921,58 @@
               <a:buChar char="■"/>
             </a:pPr>
             <a:r>
-              <a:rPr lang="en-US" sz="2000" b="1" dirty="0"/>
+              <a:rPr lang="en-US" sz="2000" b="1" dirty="0">
+                <a:highlight>
+                  <a:srgbClr val="FFFF00"/>
+                </a:highlight>
+              </a:rPr>
               <a:t>User-defined specialization</a:t>
             </a:r>
             <a:r>
-              <a:rPr lang="en-US" sz="2000" dirty="0"/>
+              <a:rPr lang="en-US" sz="2000" dirty="0">
+                <a:highlight>
+                  <a:srgbClr val="FFFF00"/>
+                </a:highlight>
+              </a:rPr>
               <a:t> is a type of specialization in which the membership of an entity in a subclass is determined by a </a:t>
             </a:r>
             <a:r>
-              <a:rPr lang="en-US" sz="2000" b="1" dirty="0"/>
+              <a:rPr lang="en-US" sz="2000" b="1" dirty="0">
+                <a:highlight>
+                  <a:srgbClr val="FFFF00"/>
+                </a:highlight>
+              </a:rPr>
               <a:t>rule or condition</a:t>
             </a:r>
             <a:r>
-              <a:rPr lang="en-US" sz="2000" dirty="0"/>
+              <a:rPr lang="en-US" sz="2000" dirty="0">
+                <a:highlight>
+                  <a:srgbClr val="FFFF00"/>
+                </a:highlight>
+              </a:rPr>
               <a:t> specified by the </a:t>
             </a:r>
             <a:r>
-              <a:rPr lang="en-US" sz="2000" b="1" dirty="0"/>
+              <a:rPr lang="en-US" sz="2000" b="1" dirty="0">
+                <a:highlight>
+                  <a:srgbClr val="FFFF00"/>
+                </a:highlight>
+              </a:rPr>
               <a:t>user</a:t>
             </a:r>
             <a:r>
-              <a:rPr lang="en-US" sz="2000" dirty="0"/>
+              <a:rPr lang="en-US" sz="2000" dirty="0">
+                <a:highlight>
+                  <a:srgbClr val="FFFF00"/>
+                </a:highlight>
+              </a:rPr>
               <a:t>. </a:t>
             </a:r>
-            <a:endParaRPr lang="en-US" sz="1800" b="1" dirty="0"/>
+            <a:endParaRPr lang="en-US" sz="1800" b="1" dirty="0">
+              <a:highlight>
+                <a:srgbClr val="FFFF00"/>
+              </a:highlight>
+            </a:endParaRPr>
           </a:p>
           <a:p>
             <a:pPr marL="342900" lvl="0" indent="-342900" algn="l" rtl="0">
@@ -30561,7 +30993,11 @@
               <a:buChar char="■"/>
             </a:pPr>
             <a:r>
-              <a:rPr lang="en-US" sz="2000" b="1" dirty="0"/>
+              <a:rPr lang="en-US" sz="2000" b="1" dirty="0">
+                <a:highlight>
+                  <a:srgbClr val="FFFF00"/>
+                </a:highlight>
+              </a:rPr>
               <a:t>Superclass (G):</a:t>
             </a:r>
           </a:p>
@@ -30579,7 +31015,11 @@
               <a:buSzPts val="1440"/>
             </a:pPr>
             <a:r>
-              <a:rPr lang="en-US" sz="1800" dirty="0"/>
+              <a:rPr lang="en-US" sz="1800" dirty="0">
+                <a:highlight>
+                  <a:srgbClr val="FFFF00"/>
+                </a:highlight>
+              </a:rPr>
               <a:t>The higher-level entity set that is being specialized into multiple subclasses.</a:t>
             </a:r>
           </a:p>
@@ -30602,7 +31042,11 @@
               <a:buChar char="■"/>
             </a:pPr>
             <a:r>
-              <a:rPr lang="en-US" sz="2000" b="1" dirty="0"/>
+              <a:rPr lang="en-US" sz="2000" b="1" dirty="0">
+                <a:highlight>
+                  <a:srgbClr val="FFFF00"/>
+                </a:highlight>
+              </a:rPr>
               <a:t>Subclasses (Si​ ):</a:t>
             </a:r>
           </a:p>
@@ -30620,7 +31064,11 @@
               <a:buSzPts val="1440"/>
             </a:pPr>
             <a:r>
-              <a:rPr lang="en-US" sz="1800" dirty="0"/>
+              <a:rPr lang="en-US" sz="1800" dirty="0">
+                <a:highlight>
+                  <a:srgbClr val="FFFF00"/>
+                </a:highlight>
+              </a:rPr>
               <a:t>The lower-level entity sets that represent specialized versions of the superclass.</a:t>
             </a:r>
           </a:p>
@@ -30643,11 +31091,19 @@
               <a:buChar char="■"/>
             </a:pPr>
             <a:r>
-              <a:rPr lang="en-US" sz="2000" b="1" dirty="0"/>
+              <a:rPr lang="en-US" sz="2000" b="1" dirty="0">
+                <a:highlight>
+                  <a:srgbClr val="FFFF00"/>
+                </a:highlight>
+              </a:rPr>
               <a:t>User-Defined Rules</a:t>
             </a:r>
             <a:r>
-              <a:rPr lang="en-US" sz="2000" dirty="0"/>
+              <a:rPr lang="en-US" sz="2000" dirty="0">
+                <a:highlight>
+                  <a:srgbClr val="FFFF00"/>
+                </a:highlight>
+              </a:rPr>
               <a:t>:</a:t>
             </a:r>
           </a:p>
@@ -30665,7 +31121,11 @@
               <a:buSzPts val="1440"/>
             </a:pPr>
             <a:r>
-              <a:rPr lang="en-US" sz="1800" dirty="0"/>
+              <a:rPr lang="en-US" sz="1800" dirty="0">
+                <a:highlight>
+                  <a:srgbClr val="FFFF00"/>
+                </a:highlight>
+              </a:rPr>
               <a:t>The conditions used to define membership in each subclass. </a:t>
             </a:r>
           </a:p>
@@ -30683,7 +31143,11 @@
               <a:buSzPts val="1440"/>
             </a:pPr>
             <a:r>
-              <a:rPr lang="en-US" sz="1800" dirty="0"/>
+              <a:rPr lang="en-US" sz="1800" dirty="0">
+                <a:highlight>
+                  <a:srgbClr val="FFFF00"/>
+                </a:highlight>
+              </a:rPr>
               <a:t>These rules can be complex and involve multiple attributes, derived attributes, or external computations.</a:t>
             </a:r>
           </a:p>
@@ -30706,10 +31170,18 @@
               <a:buChar char="■"/>
             </a:pPr>
             <a:r>
-              <a:rPr lang="en-US" sz="2000" b="1" dirty="0"/>
+              <a:rPr lang="en-US" sz="2000" b="1" dirty="0">
+                <a:highlight>
+                  <a:srgbClr val="FFFF00"/>
+                </a:highlight>
+              </a:rPr>
               <a:t>Disjoint or Overlapping:</a:t>
             </a:r>
-            <a:endParaRPr sz="2000" b="1" dirty="0"/>
+            <a:endParaRPr sz="2000" b="1" dirty="0">
+              <a:highlight>
+                <a:srgbClr val="FFFF00"/>
+              </a:highlight>
+            </a:endParaRPr>
           </a:p>
         </p:txBody>
       </p:sp>
@@ -31254,7 +31726,7 @@
           <p:cNvPr id="2" name="Title 1">
             <a:extLst>
               <a:ext uri="{FF2B5EF4-FFF2-40B4-BE49-F238E27FC236}">
-                <a16:creationId xmlns="" xmlns:a16="http://schemas.microsoft.com/office/drawing/2014/main" id="{8609518F-28FD-9BB9-2D42-908A44DEFA9F}"/>
+                <a16:creationId xmlns:a16="http://schemas.microsoft.com/office/drawing/2014/main" id="{8609518F-28FD-9BB9-2D42-908A44DEFA9F}"/>
               </a:ext>
             </a:extLst>
           </p:cNvPr>
@@ -31282,7 +31754,7 @@
           <p:cNvPr id="3" name="Text Placeholder 2">
             <a:extLst>
               <a:ext uri="{FF2B5EF4-FFF2-40B4-BE49-F238E27FC236}">
-                <a16:creationId xmlns="" xmlns:a16="http://schemas.microsoft.com/office/drawing/2014/main" id="{16E55237-2E57-FD08-0A32-0061C72C8CA0}"/>
+                <a16:creationId xmlns:a16="http://schemas.microsoft.com/office/drawing/2014/main" id="{16E55237-2E57-FD08-0A32-0061C72C8CA0}"/>
               </a:ext>
             </a:extLst>
           </p:cNvPr>
@@ -31307,7 +31779,7 @@
           <p:cNvPr id="4" name="Slide Number Placeholder 3">
             <a:extLst>
               <a:ext uri="{FF2B5EF4-FFF2-40B4-BE49-F238E27FC236}">
-                <a16:creationId xmlns="" xmlns:a16="http://schemas.microsoft.com/office/drawing/2014/main" id="{C1777AB7-B3AE-1FE5-14FD-BD822DCA897D}"/>
+                <a16:creationId xmlns:a16="http://schemas.microsoft.com/office/drawing/2014/main" id="{C1777AB7-B3AE-1FE5-14FD-BD822DCA897D}"/>
               </a:ext>
             </a:extLst>
           </p:cNvPr>
@@ -31349,7 +31821,7 @@
           <p:cNvPr id="6" name="Picture 5">
             <a:extLst>
               <a:ext uri="{FF2B5EF4-FFF2-40B4-BE49-F238E27FC236}">
-                <a16:creationId xmlns="" xmlns:a16="http://schemas.microsoft.com/office/drawing/2014/main" id="{09011E49-419E-D630-5B72-8E4236DEC263}"/>
+                <a16:creationId xmlns:a16="http://schemas.microsoft.com/office/drawing/2014/main" id="{09011E49-419E-D630-5B72-8E4236DEC263}"/>
               </a:ext>
             </a:extLst>
           </p:cNvPr>
@@ -31409,7 +31881,7 @@
           <p:cNvPr id="2" name="Title 1">
             <a:extLst>
               <a:ext uri="{FF2B5EF4-FFF2-40B4-BE49-F238E27FC236}">
-                <a16:creationId xmlns="" xmlns:a16="http://schemas.microsoft.com/office/drawing/2014/main" id="{C012F138-767B-2F09-1A76-437ABBF98DAC}"/>
+                <a16:creationId xmlns:a16="http://schemas.microsoft.com/office/drawing/2014/main" id="{C012F138-767B-2F09-1A76-437ABBF98DAC}"/>
               </a:ext>
             </a:extLst>
           </p:cNvPr>
@@ -31446,7 +31918,7 @@
           <p:cNvPr id="3" name="Text Placeholder 2">
             <a:extLst>
               <a:ext uri="{FF2B5EF4-FFF2-40B4-BE49-F238E27FC236}">
-                <a16:creationId xmlns="" xmlns:a16="http://schemas.microsoft.com/office/drawing/2014/main" id="{6F76EEE0-45A4-A43C-613F-AC677AD2919B}"/>
+                <a16:creationId xmlns:a16="http://schemas.microsoft.com/office/drawing/2014/main" id="{6F76EEE0-45A4-A43C-613F-AC677AD2919B}"/>
               </a:ext>
             </a:extLst>
           </p:cNvPr>
@@ -31484,6 +31956,9 @@
                 <a:solidFill>
                   <a:srgbClr val="C00000"/>
                 </a:solidFill>
+                <a:highlight>
+                  <a:srgbClr val="FFFF00"/>
+                </a:highlight>
               </a:rPr>
               <a:t>Superclass (G):</a:t>
             </a:r>
@@ -31506,6 +31981,9 @@
                 <a:solidFill>
                   <a:srgbClr val="C00000"/>
                 </a:solidFill>
+                <a:highlight>
+                  <a:srgbClr val="FFFF00"/>
+                </a:highlight>
               </a:rPr>
               <a:t>The higher-level entity set that is being specialized into multiple subclasses.</a:t>
             </a:r>
@@ -31533,6 +32011,9 @@
                 <a:solidFill>
                   <a:srgbClr val="C00000"/>
                 </a:solidFill>
+                <a:highlight>
+                  <a:srgbClr val="FFFF00"/>
+                </a:highlight>
               </a:rPr>
               <a:t>Subclasses (Si​ ):</a:t>
             </a:r>
@@ -31555,6 +32036,9 @@
                 <a:solidFill>
                   <a:srgbClr val="C00000"/>
                 </a:solidFill>
+                <a:highlight>
+                  <a:srgbClr val="FFFF00"/>
+                </a:highlight>
               </a:rPr>
               <a:t>The lower-level entity sets that represent specialized versions of the superclass.</a:t>
             </a:r>
@@ -31582,6 +32066,9 @@
                 <a:solidFill>
                   <a:srgbClr val="C00000"/>
                 </a:solidFill>
+                <a:highlight>
+                  <a:srgbClr val="FFFF00"/>
+                </a:highlight>
               </a:rPr>
               <a:t>Defining Attribute (A):</a:t>
             </a:r>
@@ -31604,6 +32091,9 @@
                 <a:solidFill>
                   <a:srgbClr val="C00000"/>
                 </a:solidFill>
+                <a:highlight>
+                  <a:srgbClr val="FFFF00"/>
+                </a:highlight>
               </a:rPr>
               <a:t>A single attribute of the superclass G whose value determines the membership of an entity in a particular subclass.</a:t>
             </a:r>
@@ -31631,6 +32121,9 @@
                 <a:solidFill>
                   <a:srgbClr val="C00000"/>
                 </a:solidFill>
+                <a:highlight>
+                  <a:srgbClr val="FFFF00"/>
+                </a:highlight>
               </a:rPr>
               <a:t>Predicate (𝐴=𝑐𝑖):</a:t>
             </a:r>
@@ -31653,6 +32146,9 @@
                 <a:solidFill>
                   <a:srgbClr val="C00000"/>
                 </a:solidFill>
+                <a:highlight>
+                  <a:srgbClr val="FFFF00"/>
+                </a:highlight>
               </a:rPr>
               <a:t>A condition or rule used to define membership in each subclass, </a:t>
             </a:r>
@@ -31675,6 +32171,9 @@
                 <a:solidFill>
                   <a:srgbClr val="C00000"/>
                 </a:solidFill>
+                <a:highlight>
+                  <a:srgbClr val="FFFF00"/>
+                </a:highlight>
               </a:rPr>
               <a:t>where 𝑐𝑖 is a constant value from the domain of the attribute A.</a:t>
             </a:r>
@@ -31710,7 +32209,7 @@
           <p:cNvPr id="4" name="Slide Number Placeholder 3">
             <a:extLst>
               <a:ext uri="{FF2B5EF4-FFF2-40B4-BE49-F238E27FC236}">
-                <a16:creationId xmlns="" xmlns:a16="http://schemas.microsoft.com/office/drawing/2014/main" id="{15233849-C45B-C529-9CB1-FC5544514C01}"/>
+                <a16:creationId xmlns:a16="http://schemas.microsoft.com/office/drawing/2014/main" id="{15233849-C45B-C529-9CB1-FC5544514C01}"/>
               </a:ext>
             </a:extLst>
           </p:cNvPr>
@@ -31782,7 +32281,7 @@
           <p:cNvPr id="2" name="Title 1">
             <a:extLst>
               <a:ext uri="{FF2B5EF4-FFF2-40B4-BE49-F238E27FC236}">
-                <a16:creationId xmlns="" xmlns:a16="http://schemas.microsoft.com/office/drawing/2014/main" id="{FB87253C-BF84-DB0D-098D-9A10F04C4942}"/>
+                <a16:creationId xmlns:a16="http://schemas.microsoft.com/office/drawing/2014/main" id="{FB87253C-BF84-DB0D-098D-9A10F04C4942}"/>
               </a:ext>
             </a:extLst>
           </p:cNvPr>
@@ -31807,7 +32306,7 @@
           <p:cNvPr id="3" name="Text Placeholder 2">
             <a:extLst>
               <a:ext uri="{FF2B5EF4-FFF2-40B4-BE49-F238E27FC236}">
-                <a16:creationId xmlns="" xmlns:a16="http://schemas.microsoft.com/office/drawing/2014/main" id="{B707A433-2081-D146-B445-90AAB4927B95}"/>
+                <a16:creationId xmlns:a16="http://schemas.microsoft.com/office/drawing/2014/main" id="{B707A433-2081-D146-B445-90AAB4927B95}"/>
               </a:ext>
             </a:extLst>
           </p:cNvPr>
@@ -31932,7 +32431,7 @@
           <p:cNvPr id="4" name="Slide Number Placeholder 3">
             <a:extLst>
               <a:ext uri="{FF2B5EF4-FFF2-40B4-BE49-F238E27FC236}">
-                <a16:creationId xmlns="" xmlns:a16="http://schemas.microsoft.com/office/drawing/2014/main" id="{6DD974F8-46FA-6D62-2C1D-7EDEDD753F74}"/>
+                <a16:creationId xmlns:a16="http://schemas.microsoft.com/office/drawing/2014/main" id="{6DD974F8-46FA-6D62-2C1D-7EDEDD753F74}"/>
               </a:ext>
             </a:extLst>
           </p:cNvPr>
@@ -33316,7 +33815,7 @@
               <a:buChar char="■"/>
             </a:pPr>
             <a:r>
-              <a:rPr lang="en-US" sz="2800" b="0" i="0" u="none">
+              <a:rPr lang="en-US" sz="2800" b="0" i="0" u="none" dirty="0">
                 <a:solidFill>
                   <a:schemeClr val="dk2"/>
                 </a:solidFill>
@@ -33327,7 +33826,7 @@
               </a:rPr>
               <a:t>Use conceptual modeling and other tools to develop “a specification of a conceptualization”</a:t>
             </a:r>
-            <a:endParaRPr/>
+            <a:endParaRPr dirty="0"/>
           </a:p>
           <a:p>
             <a:pPr marL="742950" lvl="1" indent="-285750" algn="l" rtl="0">
@@ -33348,10 +33847,13 @@
               <a:buChar char="■"/>
             </a:pPr>
             <a:r>
-              <a:rPr lang="en-US" sz="2600" b="1" i="0" u="none">
+              <a:rPr lang="en-US" sz="2600" b="1" i="0" u="none" dirty="0">
                 <a:solidFill>
                   <a:srgbClr val="800000"/>
                 </a:solidFill>
+                <a:highlight>
+                  <a:srgbClr val="FFFF00"/>
+                </a:highlight>
                 <a:latin typeface="Arial"/>
                 <a:ea typeface="Arial"/>
                 <a:cs typeface="Arial"/>
@@ -33360,10 +33862,13 @@
               <a:t>Specification </a:t>
             </a:r>
             <a:r>
-              <a:rPr lang="en-US" sz="2600" b="0" i="0" u="none">
+              <a:rPr lang="en-US" sz="2600" b="0" i="0" u="none" dirty="0">
                 <a:solidFill>
                   <a:srgbClr val="800000"/>
                 </a:solidFill>
+                <a:highlight>
+                  <a:srgbClr val="FFFF00"/>
+                </a:highlight>
                 <a:latin typeface="Arial"/>
                 <a:ea typeface="Arial"/>
                 <a:cs typeface="Arial"/>
@@ -33371,7 +33876,11 @@
               </a:rPr>
               <a:t>refers to the language and vocabulary (data model concepts) used</a:t>
             </a:r>
-            <a:endParaRPr/>
+            <a:endParaRPr dirty="0">
+              <a:highlight>
+                <a:srgbClr val="FFFF00"/>
+              </a:highlight>
+            </a:endParaRPr>
           </a:p>
           <a:p>
             <a:pPr marL="742950" lvl="1" indent="-285750" algn="l" rtl="0">
@@ -33392,10 +33901,13 @@
               <a:buChar char="■"/>
             </a:pPr>
             <a:r>
-              <a:rPr lang="en-US" sz="2600" b="1" i="0" u="none">
+              <a:rPr lang="en-US" sz="2600" b="1" i="0" u="none" dirty="0">
                 <a:solidFill>
                   <a:srgbClr val="800000"/>
                 </a:solidFill>
+                <a:highlight>
+                  <a:srgbClr val="FFFF00"/>
+                </a:highlight>
                 <a:latin typeface="Arial"/>
                 <a:ea typeface="Arial"/>
                 <a:cs typeface="Arial"/>
@@ -33404,10 +33916,13 @@
               <a:t>Conceptualization</a:t>
             </a:r>
             <a:r>
-              <a:rPr lang="en-US" sz="2600" b="0" i="0" u="none">
+              <a:rPr lang="en-US" sz="2600" b="0" i="0" u="none" dirty="0">
                 <a:solidFill>
                   <a:srgbClr val="800000"/>
                 </a:solidFill>
+                <a:highlight>
+                  <a:srgbClr val="FFFF00"/>
+                </a:highlight>
                 <a:latin typeface="Arial"/>
                 <a:ea typeface="Arial"/>
                 <a:cs typeface="Arial"/>
@@ -33415,7 +33930,11 @@
               </a:rPr>
               <a:t> refers to the description (schema) of the concepts of a particular field of knowledge and the relationships among these concepts</a:t>
             </a:r>
-            <a:endParaRPr/>
+            <a:endParaRPr dirty="0">
+              <a:highlight>
+                <a:srgbClr val="FFFF00"/>
+              </a:highlight>
+            </a:endParaRPr>
           </a:p>
           <a:p>
             <a:pPr marL="342900" lvl="0" indent="-342900" algn="l" rtl="0">
@@ -33436,7 +33955,7 @@
               <a:buChar char="■"/>
             </a:pPr>
             <a:r>
-              <a:rPr lang="en-US" sz="2800" b="0" i="0" u="none">
+              <a:rPr lang="en-US" sz="2800" b="0" i="0" u="none" dirty="0">
                 <a:solidFill>
                   <a:schemeClr val="dk2"/>
                 </a:solidFill>
@@ -33447,7 +33966,7 @@
               </a:rPr>
               <a:t>Many medical, scientific, and engineering ontologies are being developed as a means of standardizing concepts and terminology</a:t>
             </a:r>
-            <a:endParaRPr/>
+            <a:endParaRPr dirty="0"/>
           </a:p>
         </p:txBody>
       </p:sp>
@@ -34625,10 +35144,13 @@
               <a:buChar char="■"/>
             </a:pPr>
             <a:r>
-              <a:rPr lang="en-US" sz="2400" b="0" i="0" u="none">
+              <a:rPr lang="en-US" sz="2400" b="0" i="0" u="none" dirty="0">
                 <a:solidFill>
                   <a:schemeClr val="dk2"/>
                 </a:solidFill>
+                <a:highlight>
+                  <a:srgbClr val="FFFF00"/>
+                </a:highlight>
                 <a:latin typeface="Arial"/>
                 <a:ea typeface="Arial"/>
                 <a:cs typeface="Arial"/>
@@ -34636,7 +35158,11 @@
               </a:rPr>
               <a:t>These are also called IS-A relationships</a:t>
             </a:r>
-            <a:endParaRPr/>
+            <a:endParaRPr dirty="0">
+              <a:highlight>
+                <a:srgbClr val="FFFF00"/>
+              </a:highlight>
+            </a:endParaRPr>
           </a:p>
           <a:p>
             <a:pPr marL="742950" lvl="1" indent="-285750" algn="l" rtl="0">
@@ -34657,10 +35183,13 @@
               <a:buChar char="■"/>
             </a:pPr>
             <a:r>
-              <a:rPr lang="en-US" sz="2200" b="0" i="0" u="none">
+              <a:rPr lang="en-US" sz="2200" b="0" i="0" u="none" dirty="0">
                 <a:solidFill>
                   <a:srgbClr val="800000"/>
                 </a:solidFill>
+                <a:highlight>
+                  <a:srgbClr val="FFFF00"/>
+                </a:highlight>
                 <a:latin typeface="Arial"/>
                 <a:ea typeface="Arial"/>
                 <a:cs typeface="Arial"/>
@@ -34668,7 +35197,11 @@
               </a:rPr>
               <a:t>SECRETARY IS-A EMPLOYEE, TECHNICIAN IS-A EMPLOYEE, ….</a:t>
             </a:r>
-            <a:endParaRPr/>
+            <a:endParaRPr dirty="0">
+              <a:highlight>
+                <a:srgbClr val="FFFF00"/>
+              </a:highlight>
+            </a:endParaRPr>
           </a:p>
           <a:p>
             <a:pPr marL="342900" lvl="0" indent="-342900" algn="l" rtl="0">
@@ -34689,10 +35222,13 @@
               <a:buChar char="■"/>
             </a:pPr>
             <a:r>
-              <a:rPr lang="en-US" sz="2400" b="0" i="0" u="none">
+              <a:rPr lang="en-US" sz="2400" b="0" i="0" u="none" dirty="0">
                 <a:solidFill>
                   <a:schemeClr val="dk2"/>
                 </a:solidFill>
+                <a:highlight>
+                  <a:srgbClr val="FFFF00"/>
+                </a:highlight>
                 <a:latin typeface="Arial"/>
                 <a:ea typeface="Arial"/>
                 <a:cs typeface="Arial"/>
@@ -34700,7 +35236,11 @@
               </a:rPr>
               <a:t>Note: An entity that is member of a subclass represents the same real-world entity as some member of the superclass:</a:t>
             </a:r>
-            <a:endParaRPr/>
+            <a:endParaRPr dirty="0">
+              <a:highlight>
+                <a:srgbClr val="FFFF00"/>
+              </a:highlight>
+            </a:endParaRPr>
           </a:p>
           <a:p>
             <a:pPr marL="742950" lvl="1" indent="-285750" algn="l" rtl="0">
@@ -34721,10 +35261,13 @@
               <a:buChar char="■"/>
             </a:pPr>
             <a:r>
-              <a:rPr lang="en-US" sz="2200" b="0" i="0" u="none">
+              <a:rPr lang="en-US" sz="2200" b="0" i="0" u="none" dirty="0">
                 <a:solidFill>
                   <a:srgbClr val="800000"/>
                 </a:solidFill>
+                <a:highlight>
+                  <a:srgbClr val="FFFF00"/>
+                </a:highlight>
                 <a:latin typeface="Arial"/>
                 <a:ea typeface="Arial"/>
                 <a:cs typeface="Arial"/>
@@ -34733,10 +35276,13 @@
               <a:t>The subclass member is the same entity in a </a:t>
             </a:r>
             <a:r>
-              <a:rPr lang="en-US" sz="2200" b="0" i="1" u="none">
+              <a:rPr lang="en-US" sz="2200" b="0" i="1" u="none" dirty="0">
                 <a:solidFill>
                   <a:srgbClr val="800000"/>
                 </a:solidFill>
+                <a:highlight>
+                  <a:srgbClr val="FFFF00"/>
+                </a:highlight>
                 <a:latin typeface="Arial"/>
                 <a:ea typeface="Arial"/>
                 <a:cs typeface="Arial"/>
@@ -34745,10 +35291,13 @@
               <a:t>distinct specific role</a:t>
             </a:r>
             <a:r>
-              <a:rPr lang="en-US" sz="2200" b="0" i="0" u="none">
+              <a:rPr lang="en-US" sz="2200" b="0" i="0" u="none" dirty="0">
                 <a:solidFill>
                   <a:srgbClr val="800000"/>
                 </a:solidFill>
+                <a:highlight>
+                  <a:srgbClr val="FFFF00"/>
+                </a:highlight>
                 <a:latin typeface="Arial"/>
                 <a:ea typeface="Arial"/>
                 <a:cs typeface="Arial"/>
@@ -34756,7 +35305,11 @@
               </a:rPr>
               <a:t> </a:t>
             </a:r>
-            <a:endParaRPr/>
+            <a:endParaRPr dirty="0">
+              <a:highlight>
+                <a:srgbClr val="FFFF00"/>
+              </a:highlight>
+            </a:endParaRPr>
           </a:p>
           <a:p>
             <a:pPr marL="742950" lvl="1" indent="-285750" algn="l" rtl="0">
@@ -34777,10 +35330,13 @@
               <a:buChar char="■"/>
             </a:pPr>
             <a:r>
-              <a:rPr lang="en-US" sz="2200" b="0" i="0" u="none">
+              <a:rPr lang="en-US" sz="2200" b="0" i="0" u="none" dirty="0">
                 <a:solidFill>
                   <a:srgbClr val="800000"/>
                 </a:solidFill>
+                <a:highlight>
+                  <a:srgbClr val="FFFF00"/>
+                </a:highlight>
                 <a:latin typeface="Arial"/>
                 <a:ea typeface="Arial"/>
                 <a:cs typeface="Arial"/>
@@ -34788,7 +35344,11 @@
               </a:rPr>
               <a:t>An entity cannot exist in the database merely by being a member of a subclass; it must also be a member of the superclass </a:t>
             </a:r>
-            <a:endParaRPr/>
+            <a:endParaRPr dirty="0">
+              <a:highlight>
+                <a:srgbClr val="FFFF00"/>
+              </a:highlight>
+            </a:endParaRPr>
           </a:p>
           <a:p>
             <a:pPr marL="742950" lvl="1" indent="-285750" algn="l" rtl="0">
@@ -34809,10 +35369,13 @@
               <a:buChar char="■"/>
             </a:pPr>
             <a:r>
-              <a:rPr lang="en-US" sz="2200" b="0" i="0" u="none">
+              <a:rPr lang="en-US" sz="2200" b="0" i="0" u="none" dirty="0">
                 <a:solidFill>
                   <a:srgbClr val="800000"/>
                 </a:solidFill>
+                <a:highlight>
+                  <a:srgbClr val="FFFF00"/>
+                </a:highlight>
                 <a:latin typeface="Arial"/>
                 <a:ea typeface="Arial"/>
                 <a:cs typeface="Arial"/>
@@ -34820,7 +35383,11 @@
               </a:rPr>
               <a:t>A member of the superclass can be optionally included as a member of any number of its subclasses</a:t>
             </a:r>
-            <a:endParaRPr/>
+            <a:endParaRPr dirty="0">
+              <a:highlight>
+                <a:srgbClr val="FFFF00"/>
+              </a:highlight>
+            </a:endParaRPr>
           </a:p>
         </p:txBody>
       </p:sp>
